--- a/expurgate.pptx
+++ b/expurgate.pptx
@@ -115,9 +115,167 @@
 <file path=ppt/revisionInfo.xml><?xml version="1.0" encoding="utf-8"?>
 <p1510:revInfo xmlns:a="http://schemas.openxmlformats.org/drawingml/2006/main" xmlns:r="http://schemas.openxmlformats.org/officeDocument/2006/relationships" xmlns:p1510="http://schemas.microsoft.com/office/powerpoint/2015/10/main">
   <p1510:revLst>
+    <p1510:client id="{2A144367-281C-4A46-8256-0D1C6435EBED}" v="3" dt="2022-09-09T03:06:51.590"/>
     <p1510:client id="{85A6A9B4-0B76-46CA-9109-03E88D164491}" v="32" dt="2022-09-09T01:15:03.757"/>
   </p1510:revLst>
 </p1510:revInfo>
+</file>
+
+<file path=ppt/changesInfos/changesInfo1.xml><?xml version="1.0" encoding="utf-8"?>
+<pc:chgInfo xmlns:a="http://schemas.openxmlformats.org/drawingml/2006/main" xmlns:r="http://schemas.openxmlformats.org/officeDocument/2006/relationships" xmlns:ac="http://schemas.microsoft.com/office/drawing/2013/main/command" xmlns:pc="http://schemas.microsoft.com/office/powerpoint/2013/main/command">
+  <pc:docChgLst>
+    <pc:chgData name="Scott McKellar" userId="c16324e4c5794a6d" providerId="LiveId" clId="{2A144367-281C-4A46-8256-0D1C6435EBED}"/>
+    <pc:docChg chg="custSel modSld">
+      <pc:chgData name="Scott McKellar" userId="c16324e4c5794a6d" providerId="LiveId" clId="{2A144367-281C-4A46-8256-0D1C6435EBED}" dt="2022-09-09T03:07:06.678" v="41" actId="113"/>
+      <pc:docMkLst>
+        <pc:docMk/>
+      </pc:docMkLst>
+      <pc:sldChg chg="addSp delSp modSp mod">
+        <pc:chgData name="Scott McKellar" userId="c16324e4c5794a6d" providerId="LiveId" clId="{2A144367-281C-4A46-8256-0D1C6435EBED}" dt="2022-09-09T03:07:06.678" v="41" actId="113"/>
+        <pc:sldMkLst>
+          <pc:docMk/>
+          <pc:sldMk cId="917669912" sldId="256"/>
+        </pc:sldMkLst>
+        <pc:spChg chg="mod">
+          <ac:chgData name="Scott McKellar" userId="c16324e4c5794a6d" providerId="LiveId" clId="{2A144367-281C-4A46-8256-0D1C6435EBED}" dt="2022-09-09T03:04:31.370" v="12" actId="14100"/>
+          <ac:spMkLst>
+            <pc:docMk/>
+            <pc:sldMk cId="917669912" sldId="256"/>
+            <ac:spMk id="4" creationId="{B8629931-0373-4B20-8569-3CDD711BB6DC}"/>
+          </ac:spMkLst>
+        </pc:spChg>
+        <pc:spChg chg="mod">
+          <ac:chgData name="Scott McKellar" userId="c16324e4c5794a6d" providerId="LiveId" clId="{2A144367-281C-4A46-8256-0D1C6435EBED}" dt="2022-09-09T03:04:56.948" v="17" actId="14100"/>
+          <ac:spMkLst>
+            <pc:docMk/>
+            <pc:sldMk cId="917669912" sldId="256"/>
+            <ac:spMk id="6" creationId="{61C4613B-5E7A-49C0-B7EE-E7F6AA701F91}"/>
+          </ac:spMkLst>
+        </pc:spChg>
+        <pc:spChg chg="mod">
+          <ac:chgData name="Scott McKellar" userId="c16324e4c5794a6d" providerId="LiveId" clId="{2A144367-281C-4A46-8256-0D1C6435EBED}" dt="2022-09-09T03:05:21.520" v="22" actId="1076"/>
+          <ac:spMkLst>
+            <pc:docMk/>
+            <pc:sldMk cId="917669912" sldId="256"/>
+            <ac:spMk id="7" creationId="{0FD5EE1C-010F-4897-ABE7-06A4057B482C}"/>
+          </ac:spMkLst>
+        </pc:spChg>
+        <pc:spChg chg="mod">
+          <ac:chgData name="Scott McKellar" userId="c16324e4c5794a6d" providerId="LiveId" clId="{2A144367-281C-4A46-8256-0D1C6435EBED}" dt="2022-09-09T03:05:12.831" v="21" actId="1076"/>
+          <ac:spMkLst>
+            <pc:docMk/>
+            <pc:sldMk cId="917669912" sldId="256"/>
+            <ac:spMk id="41" creationId="{AD0154EA-7F5A-4AD3-813A-AD5616A36A4F}"/>
+          </ac:spMkLst>
+        </pc:spChg>
+        <pc:spChg chg="mod">
+          <ac:chgData name="Scott McKellar" userId="c16324e4c5794a6d" providerId="LiveId" clId="{2A144367-281C-4A46-8256-0D1C6435EBED}" dt="2022-09-09T03:06:35.636" v="34" actId="207"/>
+          <ac:spMkLst>
+            <pc:docMk/>
+            <pc:sldMk cId="917669912" sldId="256"/>
+            <ac:spMk id="43" creationId="{54E78219-EA68-432A-99C9-6C9C8EC48BCD}"/>
+          </ac:spMkLst>
+        </pc:spChg>
+        <pc:spChg chg="mod">
+          <ac:chgData name="Scott McKellar" userId="c16324e4c5794a6d" providerId="LiveId" clId="{2A144367-281C-4A46-8256-0D1C6435EBED}" dt="2022-09-09T03:07:06.678" v="41" actId="113"/>
+          <ac:spMkLst>
+            <pc:docMk/>
+            <pc:sldMk cId="917669912" sldId="256"/>
+            <ac:spMk id="62" creationId="{CBCFDA65-5E2C-4AC8-B061-F21018D8286E}"/>
+          </ac:spMkLst>
+        </pc:spChg>
+        <pc:spChg chg="mod">
+          <ac:chgData name="Scott McKellar" userId="c16324e4c5794a6d" providerId="LiveId" clId="{2A144367-281C-4A46-8256-0D1C6435EBED}" dt="2022-09-09T03:06:39.067" v="35" actId="207"/>
+          <ac:spMkLst>
+            <pc:docMk/>
+            <pc:sldMk cId="917669912" sldId="256"/>
+            <ac:spMk id="65" creationId="{0FC2A672-95B3-4AC9-BEDD-D8A3C477DDC6}"/>
+          </ac:spMkLst>
+        </pc:spChg>
+        <pc:spChg chg="mod">
+          <ac:chgData name="Scott McKellar" userId="c16324e4c5794a6d" providerId="LiveId" clId="{2A144367-281C-4A46-8256-0D1C6435EBED}" dt="2022-09-09T03:05:49.601" v="26" actId="207"/>
+          <ac:spMkLst>
+            <pc:docMk/>
+            <pc:sldMk cId="917669912" sldId="256"/>
+            <ac:spMk id="85" creationId="{9766512E-FFBD-4AC5-A947-A893696EF487}"/>
+          </ac:spMkLst>
+        </pc:spChg>
+        <pc:picChg chg="mod">
+          <ac:chgData name="Scott McKellar" userId="c16324e4c5794a6d" providerId="LiveId" clId="{2A144367-281C-4A46-8256-0D1C6435EBED}" dt="2022-09-09T03:05:59.726" v="27" actId="208"/>
+          <ac:picMkLst>
+            <pc:docMk/>
+            <pc:sldMk cId="917669912" sldId="256"/>
+            <ac:picMk id="34" creationId="{CBA602BA-94F6-46D7-9D46-97276914BA5C}"/>
+          </ac:picMkLst>
+        </pc:picChg>
+        <pc:picChg chg="mod">
+          <ac:chgData name="Scott McKellar" userId="c16324e4c5794a6d" providerId="LiveId" clId="{2A144367-281C-4A46-8256-0D1C6435EBED}" dt="2022-09-09T03:05:59.726" v="27" actId="208"/>
+          <ac:picMkLst>
+            <pc:docMk/>
+            <pc:sldMk cId="917669912" sldId="256"/>
+            <ac:picMk id="61" creationId="{DB329283-DC47-42BA-947F-A8BD0E95EB24}"/>
+          </ac:picMkLst>
+        </pc:picChg>
+        <pc:picChg chg="mod">
+          <ac:chgData name="Scott McKellar" userId="c16324e4c5794a6d" providerId="LiveId" clId="{2A144367-281C-4A46-8256-0D1C6435EBED}" dt="2022-09-09T03:06:16.295" v="31" actId="207"/>
+          <ac:picMkLst>
+            <pc:docMk/>
+            <pc:sldMk cId="917669912" sldId="256"/>
+            <ac:picMk id="64" creationId="{040D83DA-0744-49C9-AE14-F295F3066E91}"/>
+          </ac:picMkLst>
+        </pc:picChg>
+        <pc:cxnChg chg="add del mod">
+          <ac:chgData name="Scott McKellar" userId="c16324e4c5794a6d" providerId="LiveId" clId="{2A144367-281C-4A46-8256-0D1C6435EBED}" dt="2022-09-09T03:03:53.751" v="4" actId="478"/>
+          <ac:cxnSpMkLst>
+            <pc:docMk/>
+            <pc:sldMk cId="917669912" sldId="256"/>
+            <ac:cxnSpMk id="2" creationId="{9D818708-88B5-9C99-D8FB-80D797CF2C03}"/>
+          </ac:cxnSpMkLst>
+        </pc:cxnChg>
+        <pc:cxnChg chg="add del mod">
+          <ac:chgData name="Scott McKellar" userId="c16324e4c5794a6d" providerId="LiveId" clId="{2A144367-281C-4A46-8256-0D1C6435EBED}" dt="2022-09-09T03:06:50.442" v="36" actId="478"/>
+          <ac:cxnSpMkLst>
+            <pc:docMk/>
+            <pc:sldMk cId="917669912" sldId="256"/>
+            <ac:cxnSpMk id="8" creationId="{DF346066-2AA6-3BD3-D3F5-FED2FFD8C25B}"/>
+          </ac:cxnSpMkLst>
+        </pc:cxnChg>
+        <pc:cxnChg chg="add mod">
+          <ac:chgData name="Scott McKellar" userId="c16324e4c5794a6d" providerId="LiveId" clId="{2A144367-281C-4A46-8256-0D1C6435EBED}" dt="2022-09-09T03:07:00.162" v="40" actId="1076"/>
+          <ac:cxnSpMkLst>
+            <pc:docMk/>
+            <pc:sldMk cId="917669912" sldId="256"/>
+            <ac:cxnSpMk id="17" creationId="{21B0A115-D81F-519A-800A-7D4701DCB341}"/>
+          </ac:cxnSpMkLst>
+        </pc:cxnChg>
+        <pc:cxnChg chg="mod">
+          <ac:chgData name="Scott McKellar" userId="c16324e4c5794a6d" providerId="LiveId" clId="{2A144367-281C-4A46-8256-0D1C6435EBED}" dt="2022-09-09T03:05:59.726" v="27" actId="208"/>
+          <ac:cxnSpMkLst>
+            <pc:docMk/>
+            <pc:sldMk cId="917669912" sldId="256"/>
+            <ac:cxnSpMk id="66" creationId="{6B424E65-ACBC-43DA-9F40-33127551F88A}"/>
+          </ac:cxnSpMkLst>
+        </pc:cxnChg>
+        <pc:cxnChg chg="mod">
+          <ac:chgData name="Scott McKellar" userId="c16324e4c5794a6d" providerId="LiveId" clId="{2A144367-281C-4A46-8256-0D1C6435EBED}" dt="2022-09-09T03:05:59.726" v="27" actId="208"/>
+          <ac:cxnSpMkLst>
+            <pc:docMk/>
+            <pc:sldMk cId="917669912" sldId="256"/>
+            <ac:cxnSpMk id="77" creationId="{1E537815-0B8B-4422-98EB-6D812E3610E3}"/>
+          </ac:cxnSpMkLst>
+        </pc:cxnChg>
+        <pc:cxnChg chg="del">
+          <ac:chgData name="Scott McKellar" userId="c16324e4c5794a6d" providerId="LiveId" clId="{2A144367-281C-4A46-8256-0D1C6435EBED}" dt="2022-09-09T03:03:47.677" v="0" actId="478"/>
+          <ac:cxnSpMkLst>
+            <pc:docMk/>
+            <pc:sldMk cId="917669912" sldId="256"/>
+            <ac:cxnSpMk id="80" creationId="{27FDF5F5-A4DF-4D12-BD37-426C42E653CA}"/>
+          </ac:cxnSpMkLst>
+        </pc:cxnChg>
+      </pc:sldChg>
+    </pc:docChg>
+  </pc:docChgLst>
+</pc:chgInfo>
 </file>
 
 <file path=ppt/slideLayouts/slideLayout1.xml><?xml version="1.0" encoding="utf-8"?>
@@ -3348,8 +3506,8 @@
         </p:nvSpPr>
         <p:spPr>
           <a:xfrm>
-            <a:off x="296562" y="176198"/>
-            <a:ext cx="10009488" cy="2271370"/>
+            <a:off x="296561" y="176198"/>
+            <a:ext cx="11364301" cy="2271370"/>
           </a:xfrm>
           <a:prstGeom prst="rect">
             <a:avLst/>
@@ -3437,7 +3595,7 @@
         <p:spPr>
           <a:xfrm>
             <a:off x="296562" y="2522368"/>
-            <a:ext cx="10009488" cy="1579817"/>
+            <a:ext cx="11364300" cy="1579817"/>
           </a:xfrm>
           <a:prstGeom prst="rect">
             <a:avLst/>
@@ -3621,8 +3779,8 @@
         </p:nvSpPr>
         <p:spPr>
           <a:xfrm>
-            <a:off x="5900942" y="2544191"/>
-            <a:ext cx="6114078" cy="4837513"/>
+            <a:off x="5978711" y="2543503"/>
+            <a:ext cx="7734788" cy="4837513"/>
           </a:xfrm>
           <a:prstGeom prst="ellipse">
             <a:avLst/>
@@ -3709,7 +3867,7 @@
         </p:nvSpPr>
         <p:spPr>
           <a:xfrm>
-            <a:off x="448962" y="4299895"/>
+            <a:off x="308918" y="4182602"/>
             <a:ext cx="1631092" cy="369332"/>
           </a:xfrm>
           <a:prstGeom prst="rect">
@@ -4301,6 +4459,9 @@
             <a:avLst/>
           </a:prstGeom>
           <a:noFill/>
+          <a:ln>
+            <a:noFill/>
+          </a:ln>
         </p:spPr>
         <p:txBody>
           <a:bodyPr wrap="square" rtlCol="0">
@@ -4309,10 +4470,18 @@
           <a:lstStyle/>
           <a:p>
             <a:r>
-              <a:rPr lang="en-AU" b="1" dirty="0"/>
+              <a:rPr lang="en-AU" b="1" dirty="0">
+                <a:solidFill>
+                  <a:srgbClr val="002060"/>
+                </a:solidFill>
+              </a:rPr>
               <a:t>rbldsnd</a:t>
             </a:r>
-            <a:endParaRPr lang="en-US" b="1" dirty="0"/>
+            <a:endParaRPr lang="en-US" b="1" dirty="0">
+              <a:solidFill>
+                <a:srgbClr val="002060"/>
+              </a:solidFill>
+            </a:endParaRPr>
           </a:p>
         </p:txBody>
       </p:sp>
@@ -4632,24 +4801,40 @@
           <a:p>
             <a:pPr algn="ctr"/>
             <a:r>
-              <a:rPr lang="en-AU" sz="1600" b="1" dirty="0"/>
+              <a:rPr lang="en-AU" sz="1600" b="1" dirty="0">
+                <a:solidFill>
+                  <a:srgbClr val="002060"/>
+                </a:solidFill>
+              </a:rPr>
               <a:t>Expurgate</a:t>
             </a:r>
           </a:p>
           <a:p>
             <a:pPr algn="ctr"/>
             <a:r>
-              <a:rPr lang="en-AU" sz="1600" b="1" dirty="0"/>
+              <a:rPr lang="en-AU" sz="1600" b="1" dirty="0">
+                <a:solidFill>
+                  <a:srgbClr val="002060"/>
+                </a:solidFill>
+              </a:rPr>
               <a:t>Resolver</a:t>
             </a:r>
           </a:p>
           <a:p>
             <a:pPr algn="ctr"/>
             <a:r>
-              <a:rPr lang="en-AU" sz="1600" b="1" dirty="0"/>
+              <a:rPr lang="en-AU" sz="1600" dirty="0">
+                <a:solidFill>
+                  <a:srgbClr val="002060"/>
+                </a:solidFill>
+              </a:rPr>
               <a:t>(runs every X seconds)</a:t>
             </a:r>
-            <a:endParaRPr lang="en-US" sz="1600" b="1" dirty="0"/>
+            <a:endParaRPr lang="en-US" sz="1600" dirty="0">
+              <a:solidFill>
+                <a:srgbClr val="002060"/>
+              </a:solidFill>
+            </a:endParaRPr>
           </a:p>
         </p:txBody>
       </p:sp>
@@ -4721,10 +4906,18 @@
           <a:lstStyle/>
           <a:p>
             <a:r>
-              <a:rPr lang="en-AU" sz="1600" b="1" dirty="0"/>
+              <a:rPr lang="en-AU" sz="1600" b="1" dirty="0">
+                <a:solidFill>
+                  <a:srgbClr val="002060"/>
+                </a:solidFill>
+              </a:rPr>
               <a:t>rbldnsd config files</a:t>
             </a:r>
-            <a:endParaRPr lang="en-US" sz="1600" b="1" dirty="0"/>
+            <a:endParaRPr lang="en-US" sz="1600" b="1" dirty="0">
+              <a:solidFill>
+                <a:srgbClr val="002060"/>
+              </a:solidFill>
+            </a:endParaRPr>
           </a:p>
         </p:txBody>
       </p:sp>
@@ -4752,7 +4945,7 @@
           </a:prstGeom>
           <a:ln w="38100">
             <a:solidFill>
-              <a:schemeClr val="tx1"/>
+              <a:srgbClr val="002060"/>
             </a:solidFill>
             <a:prstDash val="sysDash"/>
             <a:headEnd type="triangle" w="med" len="med"/>
@@ -4884,7 +5077,7 @@
           </a:prstGeom>
           <a:ln w="38100">
             <a:solidFill>
-              <a:schemeClr val="tx1"/>
+              <a:srgbClr val="002060"/>
             </a:solidFill>
             <a:prstDash val="sysDash"/>
             <a:tailEnd type="triangle"/>
@@ -4905,12 +5098,227 @@
           </a:fontRef>
         </p:style>
       </p:cxnSp>
+      <p:sp>
+        <p:nvSpPr>
+          <p:cNvPr id="85" name="TextBox 84">
+            <a:extLst>
+              <a:ext uri="{FF2B5EF4-FFF2-40B4-BE49-F238E27FC236}">
+                <a16:creationId xmlns:a16="http://schemas.microsoft.com/office/drawing/2014/main" id="{9766512E-FFBD-4AC5-A947-A893696EF487}"/>
+              </a:ext>
+            </a:extLst>
+          </p:cNvPr>
+          <p:cNvSpPr txBox="1"/>
+          <p:nvPr/>
+        </p:nvSpPr>
+        <p:spPr>
+          <a:xfrm>
+            <a:off x="4918440" y="2970655"/>
+            <a:ext cx="3254406" cy="584775"/>
+          </a:xfrm>
+          <a:prstGeom prst="rect">
+            <a:avLst/>
+          </a:prstGeom>
+          <a:noFill/>
+        </p:spPr>
+        <p:txBody>
+          <a:bodyPr wrap="square" rtlCol="0">
+            <a:spAutoFit/>
+          </a:bodyPr>
+          <a:lstStyle/>
+          <a:p>
+            <a:r>
+              <a:rPr lang="en-AU" sz="1600" dirty="0">
+                <a:solidFill>
+                  <a:srgbClr val="002060"/>
+                </a:solidFill>
+              </a:rPr>
+              <a:t>_source_prefix.</a:t>
+            </a:r>
+          </a:p>
+          <a:p>
+            <a:r>
+              <a:rPr lang="en-AU" sz="1600" dirty="0">
+                <a:solidFill>
+                  <a:srgbClr val="002060"/>
+                </a:solidFill>
+              </a:rPr>
+              <a:t>yourdomain.com</a:t>
+            </a:r>
+            <a:endParaRPr lang="en-US" sz="1600" dirty="0">
+              <a:solidFill>
+                <a:srgbClr val="002060"/>
+              </a:solidFill>
+            </a:endParaRPr>
+          </a:p>
+        </p:txBody>
+      </p:sp>
+      <p:sp>
+        <p:nvSpPr>
+          <p:cNvPr id="98" name="TextBox 97">
+            <a:extLst>
+              <a:ext uri="{FF2B5EF4-FFF2-40B4-BE49-F238E27FC236}">
+                <a16:creationId xmlns:a16="http://schemas.microsoft.com/office/drawing/2014/main" id="{D57CE499-4D8A-42D6-A4B8-046C1CEA4644}"/>
+              </a:ext>
+            </a:extLst>
+          </p:cNvPr>
+          <p:cNvSpPr txBox="1"/>
+          <p:nvPr/>
+        </p:nvSpPr>
+        <p:spPr>
+          <a:xfrm>
+            <a:off x="722068" y="1083030"/>
+            <a:ext cx="3254406" cy="584775"/>
+          </a:xfrm>
+          <a:prstGeom prst="rect">
+            <a:avLst/>
+          </a:prstGeom>
+          <a:noFill/>
+        </p:spPr>
+        <p:txBody>
+          <a:bodyPr wrap="square" rtlCol="0">
+            <a:spAutoFit/>
+          </a:bodyPr>
+          <a:lstStyle/>
+          <a:p>
+            <a:r>
+              <a:rPr lang="en-AU" sz="1600" dirty="0"/>
+              <a:t>Sending IP 192.0.2.1</a:t>
+            </a:r>
+          </a:p>
+          <a:p>
+            <a:r>
+              <a:rPr lang="en-AU" sz="1600" dirty="0"/>
+              <a:t>MFROM no-reply@xpg8.tk</a:t>
+            </a:r>
+            <a:endParaRPr lang="en-US" sz="1600" dirty="0"/>
+          </a:p>
+        </p:txBody>
+      </p:sp>
+      <p:sp>
+        <p:nvSpPr>
+          <p:cNvPr id="103" name="TextBox 102">
+            <a:extLst>
+              <a:ext uri="{FF2B5EF4-FFF2-40B4-BE49-F238E27FC236}">
+                <a16:creationId xmlns:a16="http://schemas.microsoft.com/office/drawing/2014/main" id="{07E4926A-B7D1-43F0-B922-07DD8C03D751}"/>
+              </a:ext>
+            </a:extLst>
+          </p:cNvPr>
+          <p:cNvSpPr txBox="1"/>
+          <p:nvPr/>
+        </p:nvSpPr>
+        <p:spPr>
+          <a:xfrm>
+            <a:off x="1730970" y="1938058"/>
+            <a:ext cx="3254406" cy="338554"/>
+          </a:xfrm>
+          <a:prstGeom prst="rect">
+            <a:avLst/>
+          </a:prstGeom>
+          <a:noFill/>
+        </p:spPr>
+        <p:txBody>
+          <a:bodyPr wrap="square" rtlCol="0">
+            <a:spAutoFit/>
+          </a:bodyPr>
+          <a:lstStyle/>
+          <a:p>
+            <a:r>
+              <a:rPr lang="en-AU" sz="1600" dirty="0"/>
+              <a:t>Retrieve SPF for xpg8.tk</a:t>
+            </a:r>
+            <a:endParaRPr lang="en-US" sz="1600" dirty="0"/>
+          </a:p>
+        </p:txBody>
+      </p:sp>
+      <p:sp>
+        <p:nvSpPr>
+          <p:cNvPr id="104" name="TextBox 103">
+            <a:extLst>
+              <a:ext uri="{FF2B5EF4-FFF2-40B4-BE49-F238E27FC236}">
+                <a16:creationId xmlns:a16="http://schemas.microsoft.com/office/drawing/2014/main" id="{0D2BC637-09F4-4FAF-A58E-BAEDA0A585D0}"/>
+              </a:ext>
+            </a:extLst>
+          </p:cNvPr>
+          <p:cNvSpPr txBox="1"/>
+          <p:nvPr/>
+        </p:nvSpPr>
+        <p:spPr>
+          <a:xfrm>
+            <a:off x="6608024" y="1634084"/>
+            <a:ext cx="3986013" cy="584775"/>
+          </a:xfrm>
+          <a:prstGeom prst="rect">
+            <a:avLst/>
+          </a:prstGeom>
+          <a:noFill/>
+        </p:spPr>
+        <p:txBody>
+          <a:bodyPr wrap="square" rtlCol="0">
+            <a:spAutoFit/>
+          </a:bodyPr>
+          <a:lstStyle/>
+          <a:p>
+            <a:r>
+              <a:rPr lang="en-AU" sz="1600" dirty="0"/>
+              <a:t>Retrieve SPF for expanded macro include: 1.2.0.192.xpg8.tk._spf.yourdomain.com -all</a:t>
+            </a:r>
+            <a:endParaRPr lang="en-US" sz="1600" dirty="0"/>
+          </a:p>
+        </p:txBody>
+      </p:sp>
+      <p:pic>
+        <p:nvPicPr>
+          <p:cNvPr id="1026" name="Picture 2" descr="Host, hosting, mail server, server icon - Download on Iconfinder">
+            <a:extLst>
+              <a:ext uri="{FF2B5EF4-FFF2-40B4-BE49-F238E27FC236}">
+                <a16:creationId xmlns:a16="http://schemas.microsoft.com/office/drawing/2014/main" id="{E49D24A8-75A7-4B5B-8D3B-E99BB866FE49}"/>
+              </a:ext>
+            </a:extLst>
+          </p:cNvPr>
+          <p:cNvPicPr>
+            <a:picLocks noChangeAspect="1" noChangeArrowheads="1"/>
+          </p:cNvPicPr>
+          <p:nvPr/>
+        </p:nvPicPr>
+        <p:blipFill>
+          <a:blip r:embed="rId14">
+            <a:extLst>
+              <a:ext uri="{28A0092B-C50C-407E-A947-70E740481C1C}">
+                <a14:useLocalDpi xmlns:a14="http://schemas.microsoft.com/office/drawing/2010/main" val="0"/>
+              </a:ext>
+            </a:extLst>
+          </a:blip>
+          <a:srcRect/>
+          <a:stretch>
+            <a:fillRect/>
+          </a:stretch>
+        </p:blipFill>
+        <p:spPr bwMode="auto">
+          <a:xfrm>
+            <a:off x="3976474" y="381073"/>
+            <a:ext cx="1001223" cy="1001223"/>
+          </a:xfrm>
+          <a:prstGeom prst="rect">
+            <a:avLst/>
+          </a:prstGeom>
+          <a:noFill/>
+          <a:extLst>
+            <a:ext uri="{909E8E84-426E-40DD-AFC4-6F175D3DCCD1}">
+              <a14:hiddenFill xmlns:a14="http://schemas.microsoft.com/office/drawing/2010/main">
+                <a:solidFill>
+                  <a:srgbClr val="FFFFFF"/>
+                </a:solidFill>
+              </a14:hiddenFill>
+            </a:ext>
+          </a:extLst>
+        </p:spPr>
+      </p:pic>
       <p:cxnSp>
         <p:nvCxnSpPr>
-          <p:cNvPr id="80" name="Straight Arrow Connector 79">
-            <a:extLst>
-              <a:ext uri="{FF2B5EF4-FFF2-40B4-BE49-F238E27FC236}">
-                <a16:creationId xmlns:a16="http://schemas.microsoft.com/office/drawing/2014/main" id="{27FDF5F5-A4DF-4D12-BD37-426C42E653CA}"/>
+          <p:cNvPr id="17" name="Straight Arrow Connector 16">
+            <a:extLst>
+              <a:ext uri="{FF2B5EF4-FFF2-40B4-BE49-F238E27FC236}">
+                <a16:creationId xmlns:a16="http://schemas.microsoft.com/office/drawing/2014/main" id="{21B0A115-D81F-519A-800A-7D4701DCB341}"/>
               </a:ext>
             </a:extLst>
           </p:cNvPr>
@@ -4920,19 +5328,20 @@
           <p:nvPr/>
         </p:nvCxnSpPr>
         <p:spPr>
-          <a:xfrm>
-            <a:off x="8500955" y="4011861"/>
-            <a:ext cx="724455" cy="553529"/>
+          <a:xfrm flipH="1" flipV="1">
+            <a:off x="8633349" y="4082662"/>
+            <a:ext cx="691053" cy="421835"/>
           </a:xfrm>
           <a:prstGeom prst="straightConnector1">
             <a:avLst/>
           </a:prstGeom>
           <a:ln w="38100">
             <a:solidFill>
-              <a:schemeClr val="tx1"/>
+              <a:srgbClr val="002060"/>
             </a:solidFill>
             <a:prstDash val="sysDash"/>
-            <a:tailEnd type="triangle"/>
+            <a:headEnd type="triangle" w="med" len="med"/>
+            <a:tailEnd type="triangle" w="med" len="med"/>
           </a:ln>
         </p:spPr>
         <p:style>
@@ -4950,209 +5359,6 @@
           </a:fontRef>
         </p:style>
       </p:cxnSp>
-      <p:sp>
-        <p:nvSpPr>
-          <p:cNvPr id="85" name="TextBox 84">
-            <a:extLst>
-              <a:ext uri="{FF2B5EF4-FFF2-40B4-BE49-F238E27FC236}">
-                <a16:creationId xmlns:a16="http://schemas.microsoft.com/office/drawing/2014/main" id="{9766512E-FFBD-4AC5-A947-A893696EF487}"/>
-              </a:ext>
-            </a:extLst>
-          </p:cNvPr>
-          <p:cNvSpPr txBox="1"/>
-          <p:nvPr/>
-        </p:nvSpPr>
-        <p:spPr>
-          <a:xfrm>
-            <a:off x="4918440" y="2970655"/>
-            <a:ext cx="3254406" cy="584775"/>
-          </a:xfrm>
-          <a:prstGeom prst="rect">
-            <a:avLst/>
-          </a:prstGeom>
-          <a:noFill/>
-        </p:spPr>
-        <p:txBody>
-          <a:bodyPr wrap="square" rtlCol="0">
-            <a:spAutoFit/>
-          </a:bodyPr>
-          <a:lstStyle/>
-          <a:p>
-            <a:r>
-              <a:rPr lang="en-AU" sz="1600" dirty="0"/>
-              <a:t>_source_prefix.</a:t>
-            </a:r>
-          </a:p>
-          <a:p>
-            <a:r>
-              <a:rPr lang="en-AU" sz="1600" dirty="0"/>
-              <a:t>yourdomain.com</a:t>
-            </a:r>
-            <a:endParaRPr lang="en-US" sz="1600" dirty="0"/>
-          </a:p>
-        </p:txBody>
-      </p:sp>
-      <p:sp>
-        <p:nvSpPr>
-          <p:cNvPr id="98" name="TextBox 97">
-            <a:extLst>
-              <a:ext uri="{FF2B5EF4-FFF2-40B4-BE49-F238E27FC236}">
-                <a16:creationId xmlns:a16="http://schemas.microsoft.com/office/drawing/2014/main" id="{D57CE499-4D8A-42D6-A4B8-046C1CEA4644}"/>
-              </a:ext>
-            </a:extLst>
-          </p:cNvPr>
-          <p:cNvSpPr txBox="1"/>
-          <p:nvPr/>
-        </p:nvSpPr>
-        <p:spPr>
-          <a:xfrm>
-            <a:off x="722068" y="1083030"/>
-            <a:ext cx="3254406" cy="584775"/>
-          </a:xfrm>
-          <a:prstGeom prst="rect">
-            <a:avLst/>
-          </a:prstGeom>
-          <a:noFill/>
-        </p:spPr>
-        <p:txBody>
-          <a:bodyPr wrap="square" rtlCol="0">
-            <a:spAutoFit/>
-          </a:bodyPr>
-          <a:lstStyle/>
-          <a:p>
-            <a:r>
-              <a:rPr lang="en-AU" sz="1600" dirty="0"/>
-              <a:t>Sending IP 192.0.2.1</a:t>
-            </a:r>
-          </a:p>
-          <a:p>
-            <a:r>
-              <a:rPr lang="en-AU" sz="1600" dirty="0"/>
-              <a:t>MFROM no-reply@xpg8.tk</a:t>
-            </a:r>
-            <a:endParaRPr lang="en-US" sz="1600" dirty="0"/>
-          </a:p>
-        </p:txBody>
-      </p:sp>
-      <p:sp>
-        <p:nvSpPr>
-          <p:cNvPr id="103" name="TextBox 102">
-            <a:extLst>
-              <a:ext uri="{FF2B5EF4-FFF2-40B4-BE49-F238E27FC236}">
-                <a16:creationId xmlns:a16="http://schemas.microsoft.com/office/drawing/2014/main" id="{07E4926A-B7D1-43F0-B922-07DD8C03D751}"/>
-              </a:ext>
-            </a:extLst>
-          </p:cNvPr>
-          <p:cNvSpPr txBox="1"/>
-          <p:nvPr/>
-        </p:nvSpPr>
-        <p:spPr>
-          <a:xfrm>
-            <a:off x="1730970" y="1938058"/>
-            <a:ext cx="3254406" cy="338554"/>
-          </a:xfrm>
-          <a:prstGeom prst="rect">
-            <a:avLst/>
-          </a:prstGeom>
-          <a:noFill/>
-        </p:spPr>
-        <p:txBody>
-          <a:bodyPr wrap="square" rtlCol="0">
-            <a:spAutoFit/>
-          </a:bodyPr>
-          <a:lstStyle/>
-          <a:p>
-            <a:r>
-              <a:rPr lang="en-AU" sz="1600" dirty="0"/>
-              <a:t>Retrieve SPF for xpg8.tk</a:t>
-            </a:r>
-            <a:endParaRPr lang="en-US" sz="1600" dirty="0"/>
-          </a:p>
-        </p:txBody>
-      </p:sp>
-      <p:sp>
-        <p:nvSpPr>
-          <p:cNvPr id="104" name="TextBox 103">
-            <a:extLst>
-              <a:ext uri="{FF2B5EF4-FFF2-40B4-BE49-F238E27FC236}">
-                <a16:creationId xmlns:a16="http://schemas.microsoft.com/office/drawing/2014/main" id="{0D2BC637-09F4-4FAF-A58E-BAEDA0A585D0}"/>
-              </a:ext>
-            </a:extLst>
-          </p:cNvPr>
-          <p:cNvSpPr txBox="1"/>
-          <p:nvPr/>
-        </p:nvSpPr>
-        <p:spPr>
-          <a:xfrm>
-            <a:off x="6608024" y="1634084"/>
-            <a:ext cx="3986013" cy="584775"/>
-          </a:xfrm>
-          <a:prstGeom prst="rect">
-            <a:avLst/>
-          </a:prstGeom>
-          <a:noFill/>
-        </p:spPr>
-        <p:txBody>
-          <a:bodyPr wrap="square" rtlCol="0">
-            <a:spAutoFit/>
-          </a:bodyPr>
-          <a:lstStyle/>
-          <a:p>
-            <a:r>
-              <a:rPr lang="en-AU" sz="1600" dirty="0"/>
-              <a:t>Retrieve SPF for expanded macro include: 1.2.0.192.xpg8.tk._spf.yourdomain.com -all</a:t>
-            </a:r>
-            <a:endParaRPr lang="en-US" sz="1600" dirty="0"/>
-          </a:p>
-        </p:txBody>
-      </p:sp>
-      <p:pic>
-        <p:nvPicPr>
-          <p:cNvPr id="1026" name="Picture 2" descr="Host, hosting, mail server, server icon - Download on Iconfinder">
-            <a:extLst>
-              <a:ext uri="{FF2B5EF4-FFF2-40B4-BE49-F238E27FC236}">
-                <a16:creationId xmlns:a16="http://schemas.microsoft.com/office/drawing/2014/main" id="{E49D24A8-75A7-4B5B-8D3B-E99BB866FE49}"/>
-              </a:ext>
-            </a:extLst>
-          </p:cNvPr>
-          <p:cNvPicPr>
-            <a:picLocks noChangeAspect="1" noChangeArrowheads="1"/>
-          </p:cNvPicPr>
-          <p:nvPr/>
-        </p:nvPicPr>
-        <p:blipFill>
-          <a:blip r:embed="rId14">
-            <a:extLst>
-              <a:ext uri="{28A0092B-C50C-407E-A947-70E740481C1C}">
-                <a14:useLocalDpi xmlns:a14="http://schemas.microsoft.com/office/drawing/2010/main" val="0"/>
-              </a:ext>
-            </a:extLst>
-          </a:blip>
-          <a:srcRect/>
-          <a:stretch>
-            <a:fillRect/>
-          </a:stretch>
-        </p:blipFill>
-        <p:spPr bwMode="auto">
-          <a:xfrm>
-            <a:off x="3976474" y="381073"/>
-            <a:ext cx="1001223" cy="1001223"/>
-          </a:xfrm>
-          <a:prstGeom prst="rect">
-            <a:avLst/>
-          </a:prstGeom>
-          <a:noFill/>
-          <a:extLst>
-            <a:ext uri="{909E8E84-426E-40DD-AFC4-6F175D3DCCD1}">
-              <a14:hiddenFill xmlns:a14="http://schemas.microsoft.com/office/drawing/2010/main">
-                <a:solidFill>
-                  <a:srgbClr val="FFFFFF"/>
-                </a:solidFill>
-              </a14:hiddenFill>
-            </a:ext>
-          </a:extLst>
-        </p:spPr>
-      </p:pic>
     </p:spTree>
     <p:extLst>
       <p:ext uri="{BB962C8B-B14F-4D97-AF65-F5344CB8AC3E}">

--- a/expurgate.pptx
+++ b/expurgate.pptx
@@ -126,18 +126,18 @@
   <pc:docChgLst>
     <pc:chgData name="Scott McKellar" userId="c16324e4c5794a6d" providerId="LiveId" clId="{2A144367-281C-4A46-8256-0D1C6435EBED}"/>
     <pc:docChg chg="custSel modSld">
-      <pc:chgData name="Scott McKellar" userId="c16324e4c5794a6d" providerId="LiveId" clId="{2A144367-281C-4A46-8256-0D1C6435EBED}" dt="2022-09-09T03:07:06.678" v="41" actId="113"/>
+      <pc:chgData name="Scott McKellar" userId="c16324e4c5794a6d" providerId="LiveId" clId="{2A144367-281C-4A46-8256-0D1C6435EBED}" dt="2022-09-09T06:43:19.563" v="60" actId="14100"/>
       <pc:docMkLst>
         <pc:docMk/>
       </pc:docMkLst>
       <pc:sldChg chg="addSp delSp modSp mod">
-        <pc:chgData name="Scott McKellar" userId="c16324e4c5794a6d" providerId="LiveId" clId="{2A144367-281C-4A46-8256-0D1C6435EBED}" dt="2022-09-09T03:07:06.678" v="41" actId="113"/>
+        <pc:chgData name="Scott McKellar" userId="c16324e4c5794a6d" providerId="LiveId" clId="{2A144367-281C-4A46-8256-0D1C6435EBED}" dt="2022-09-09T06:43:19.563" v="60" actId="14100"/>
         <pc:sldMkLst>
           <pc:docMk/>
           <pc:sldMk cId="917669912" sldId="256"/>
         </pc:sldMkLst>
         <pc:spChg chg="mod">
-          <ac:chgData name="Scott McKellar" userId="c16324e4c5794a6d" providerId="LiveId" clId="{2A144367-281C-4A46-8256-0D1C6435EBED}" dt="2022-09-09T03:04:31.370" v="12" actId="14100"/>
+          <ac:chgData name="Scott McKellar" userId="c16324e4c5794a6d" providerId="LiveId" clId="{2A144367-281C-4A46-8256-0D1C6435EBED}" dt="2022-09-09T06:42:12.083" v="46" actId="14100"/>
           <ac:spMkLst>
             <pc:docMk/>
             <pc:sldMk cId="917669912" sldId="256"/>
@@ -145,7 +145,7 @@
           </ac:spMkLst>
         </pc:spChg>
         <pc:spChg chg="mod">
-          <ac:chgData name="Scott McKellar" userId="c16324e4c5794a6d" providerId="LiveId" clId="{2A144367-281C-4A46-8256-0D1C6435EBED}" dt="2022-09-09T03:04:56.948" v="17" actId="14100"/>
+          <ac:chgData name="Scott McKellar" userId="c16324e4c5794a6d" providerId="LiveId" clId="{2A144367-281C-4A46-8256-0D1C6435EBED}" dt="2022-09-09T06:42:15.860" v="47" actId="14100"/>
           <ac:spMkLst>
             <pc:docMk/>
             <pc:sldMk cId="917669912" sldId="256"/>
@@ -161,7 +161,7 @@
           </ac:spMkLst>
         </pc:spChg>
         <pc:spChg chg="mod">
-          <ac:chgData name="Scott McKellar" userId="c16324e4c5794a6d" providerId="LiveId" clId="{2A144367-281C-4A46-8256-0D1C6435EBED}" dt="2022-09-09T03:05:12.831" v="21" actId="1076"/>
+          <ac:chgData name="Scott McKellar" userId="c16324e4c5794a6d" providerId="LiveId" clId="{2A144367-281C-4A46-8256-0D1C6435EBED}" dt="2022-09-09T06:42:57.646" v="57" actId="14100"/>
           <ac:spMkLst>
             <pc:docMk/>
             <pc:sldMk cId="917669912" sldId="256"/>
@@ -169,7 +169,7 @@
           </ac:spMkLst>
         </pc:spChg>
         <pc:spChg chg="mod">
-          <ac:chgData name="Scott McKellar" userId="c16324e4c5794a6d" providerId="LiveId" clId="{2A144367-281C-4A46-8256-0D1C6435EBED}" dt="2022-09-09T03:06:35.636" v="34" actId="207"/>
+          <ac:chgData name="Scott McKellar" userId="c16324e4c5794a6d" providerId="LiveId" clId="{2A144367-281C-4A46-8256-0D1C6435EBED}" dt="2022-09-09T06:41:55.400" v="43" actId="20577"/>
           <ac:spMkLst>
             <pc:docMk/>
             <pc:sldMk cId="917669912" sldId="256"/>
@@ -193,6 +193,14 @@
           </ac:spMkLst>
         </pc:spChg>
         <pc:spChg chg="mod">
+          <ac:chgData name="Scott McKellar" userId="c16324e4c5794a6d" providerId="LiveId" clId="{2A144367-281C-4A46-8256-0D1C6435EBED}" dt="2022-09-09T06:43:08.169" v="58" actId="1076"/>
+          <ac:spMkLst>
+            <pc:docMk/>
+            <pc:sldMk cId="917669912" sldId="256"/>
+            <ac:spMk id="76" creationId="{BF367DA3-89DB-412A-8126-85F010F9079D}"/>
+          </ac:spMkLst>
+        </pc:spChg>
+        <pc:spChg chg="mod">
           <ac:chgData name="Scott McKellar" userId="c16324e4c5794a6d" providerId="LiveId" clId="{2A144367-281C-4A46-8256-0D1C6435EBED}" dt="2022-09-09T03:05:49.601" v="26" actId="207"/>
           <ac:spMkLst>
             <pc:docMk/>
@@ -200,6 +208,14 @@
             <ac:spMk id="85" creationId="{9766512E-FFBD-4AC5-A947-A893696EF487}"/>
           </ac:spMkLst>
         </pc:spChg>
+        <pc:picChg chg="mod">
+          <ac:chgData name="Scott McKellar" userId="c16324e4c5794a6d" providerId="LiveId" clId="{2A144367-281C-4A46-8256-0D1C6435EBED}" dt="2022-09-09T06:43:13.991" v="59" actId="1076"/>
+          <ac:picMkLst>
+            <pc:docMk/>
+            <pc:sldMk cId="917669912" sldId="256"/>
+            <ac:picMk id="29" creationId="{4857B092-9434-4197-ABE9-95EC7B7774C4}"/>
+          </ac:picMkLst>
+        </pc:picChg>
         <pc:picChg chg="mod">
           <ac:chgData name="Scott McKellar" userId="c16324e4c5794a6d" providerId="LiveId" clId="{2A144367-281C-4A46-8256-0D1C6435EBED}" dt="2022-09-09T03:05:59.726" v="27" actId="208"/>
           <ac:picMkLst>
@@ -246,6 +262,14 @@
             <pc:docMk/>
             <pc:sldMk cId="917669912" sldId="256"/>
             <ac:cxnSpMk id="17" creationId="{21B0A115-D81F-519A-800A-7D4701DCB341}"/>
+          </ac:cxnSpMkLst>
+        </pc:cxnChg>
+        <pc:cxnChg chg="mod">
+          <ac:chgData name="Scott McKellar" userId="c16324e4c5794a6d" providerId="LiveId" clId="{2A144367-281C-4A46-8256-0D1C6435EBED}" dt="2022-09-09T06:43:19.563" v="60" actId="14100"/>
+          <ac:cxnSpMkLst>
+            <pc:docMk/>
+            <pc:sldMk cId="917669912" sldId="256"/>
+            <ac:cxnSpMk id="39" creationId="{69DD2D24-14B0-4C48-B329-72A95BCCE7A0}"/>
           </ac:cxnSpMkLst>
         </pc:cxnChg>
         <pc:cxnChg chg="mod">
@@ -3507,7 +3531,7 @@
         <p:spPr>
           <a:xfrm>
             <a:off x="296561" y="176198"/>
-            <a:ext cx="11364301" cy="2271370"/>
+            <a:ext cx="10282626" cy="2271370"/>
           </a:xfrm>
           <a:prstGeom prst="rect">
             <a:avLst/>
@@ -3595,7 +3619,7 @@
         <p:spPr>
           <a:xfrm>
             <a:off x="296562" y="2522368"/>
-            <a:ext cx="11364300" cy="1579817"/>
+            <a:ext cx="10282625" cy="1579817"/>
           </a:xfrm>
           <a:prstGeom prst="rect">
             <a:avLst/>
@@ -3779,8 +3803,8 @@
         </p:nvSpPr>
         <p:spPr>
           <a:xfrm>
-            <a:off x="5978711" y="2543503"/>
-            <a:ext cx="7734788" cy="4837513"/>
+            <a:off x="6276152" y="2552234"/>
+            <a:ext cx="7053431" cy="6827155"/>
           </a:xfrm>
           <a:prstGeom prst="ellipse">
             <a:avLst/>
@@ -3813,7 +3837,7 @@
           <a:lstStyle/>
           <a:p>
             <a:pPr algn="ctr"/>
-            <a:endParaRPr lang="en-US"/>
+            <a:endParaRPr lang="en-US" dirty="0"/>
           </a:p>
         </p:txBody>
       </p:sp>
@@ -4111,7 +4135,7 @@
         </p:blipFill>
         <p:spPr>
           <a:xfrm>
-            <a:off x="3869477" y="4582756"/>
+            <a:off x="3810809" y="4595253"/>
             <a:ext cx="1341120" cy="1341120"/>
           </a:xfrm>
           <a:prstGeom prst="rect">
@@ -4410,7 +4434,7 @@
         <p:spPr>
           <a:xfrm flipV="1">
             <a:off x="4491759" y="3961723"/>
-            <a:ext cx="0" cy="665417"/>
+            <a:ext cx="0" cy="773239"/>
           </a:xfrm>
           <a:prstGeom prst="straightConnector1">
             <a:avLst/>
@@ -4470,12 +4494,12 @@
           <a:lstStyle/>
           <a:p>
             <a:r>
-              <a:rPr lang="en-AU" b="1" dirty="0">
+              <a:rPr lang="en-AU" b="1" dirty="0" err="1">
                 <a:solidFill>
                   <a:srgbClr val="002060"/>
                 </a:solidFill>
               </a:rPr>
-              <a:t>rbldsnd</a:t>
+              <a:t>rbldnsd</a:t>
             </a:r>
             <a:endParaRPr lang="en-US" b="1" dirty="0">
               <a:solidFill>
@@ -5031,7 +5055,7 @@
         </p:nvSpPr>
         <p:spPr>
           <a:xfrm>
-            <a:off x="531155" y="4729605"/>
+            <a:off x="541539" y="4627442"/>
             <a:ext cx="3058024" cy="400110"/>
           </a:xfrm>
           <a:prstGeom prst="rect">

--- a/expurgate.pptx
+++ b/expurgate.pptx
@@ -115,7 +115,7 @@
 <file path=ppt/revisionInfo.xml><?xml version="1.0" encoding="utf-8"?>
 <p1510:revInfo xmlns:a="http://schemas.openxmlformats.org/drawingml/2006/main" xmlns:r="http://schemas.openxmlformats.org/officeDocument/2006/relationships" xmlns:p1510="http://schemas.microsoft.com/office/powerpoint/2015/10/main">
   <p1510:revLst>
-    <p1510:client id="{2A144367-281C-4A46-8256-0D1C6435EBED}" v="3" dt="2022-09-09T03:06:51.590"/>
+    <p1510:client id="{2A144367-281C-4A46-8256-0D1C6435EBED}" v="8" dt="2022-09-09T06:47:09.223"/>
     <p1510:client id="{85A6A9B4-0B76-46CA-9109-03E88D164491}" v="32" dt="2022-09-09T01:15:03.757"/>
   </p1510:revLst>
 </p1510:revInfo>
@@ -125,13 +125,13 @@
 <pc:chgInfo xmlns:a="http://schemas.openxmlformats.org/drawingml/2006/main" xmlns:r="http://schemas.openxmlformats.org/officeDocument/2006/relationships" xmlns:ac="http://schemas.microsoft.com/office/drawing/2013/main/command" xmlns:pc="http://schemas.microsoft.com/office/powerpoint/2013/main/command">
   <pc:docChgLst>
     <pc:chgData name="Scott McKellar" userId="c16324e4c5794a6d" providerId="LiveId" clId="{2A144367-281C-4A46-8256-0D1C6435EBED}"/>
-    <pc:docChg chg="custSel modSld">
-      <pc:chgData name="Scott McKellar" userId="c16324e4c5794a6d" providerId="LiveId" clId="{2A144367-281C-4A46-8256-0D1C6435EBED}" dt="2022-09-09T06:43:19.563" v="60" actId="14100"/>
+    <pc:docChg chg="undo custSel modSld">
+      <pc:chgData name="Scott McKellar" userId="c16324e4c5794a6d" providerId="LiveId" clId="{2A144367-281C-4A46-8256-0D1C6435EBED}" dt="2022-09-09T06:47:21.759" v="92" actId="1076"/>
       <pc:docMkLst>
         <pc:docMk/>
       </pc:docMkLst>
       <pc:sldChg chg="addSp delSp modSp mod">
-        <pc:chgData name="Scott McKellar" userId="c16324e4c5794a6d" providerId="LiveId" clId="{2A144367-281C-4A46-8256-0D1C6435EBED}" dt="2022-09-09T06:43:19.563" v="60" actId="14100"/>
+        <pc:chgData name="Scott McKellar" userId="c16324e4c5794a6d" providerId="LiveId" clId="{2A144367-281C-4A46-8256-0D1C6435EBED}" dt="2022-09-09T06:47:21.759" v="92" actId="1076"/>
         <pc:sldMkLst>
           <pc:docMk/>
           <pc:sldMk cId="917669912" sldId="256"/>
@@ -160,6 +160,46 @@
             <ac:spMk id="7" creationId="{0FD5EE1C-010F-4897-ABE7-06A4057B482C}"/>
           </ac:spMkLst>
         </pc:spChg>
+        <pc:spChg chg="add mod">
+          <ac:chgData name="Scott McKellar" userId="c16324e4c5794a6d" providerId="LiveId" clId="{2A144367-281C-4A46-8256-0D1C6435EBED}" dt="2022-09-09T06:46:29.647" v="69" actId="571"/>
+          <ac:spMkLst>
+            <pc:docMk/>
+            <pc:sldMk cId="917669912" sldId="256"/>
+            <ac:spMk id="11" creationId="{20248EB7-62CE-9DB0-BD4E-9D6E163B5E51}"/>
+          </ac:spMkLst>
+        </pc:spChg>
+        <pc:spChg chg="mod">
+          <ac:chgData name="Scott McKellar" userId="c16324e4c5794a6d" providerId="LiveId" clId="{2A144367-281C-4A46-8256-0D1C6435EBED}" dt="2022-09-09T06:47:09.220" v="91" actId="27803"/>
+          <ac:spMkLst>
+            <pc:docMk/>
+            <pc:sldMk cId="917669912" sldId="256"/>
+            <ac:spMk id="18" creationId="{010A9625-1D1D-EFC9-0D6A-4E92C3BBCC81}"/>
+          </ac:spMkLst>
+        </pc:spChg>
+        <pc:spChg chg="mod">
+          <ac:chgData name="Scott McKellar" userId="c16324e4c5794a6d" providerId="LiveId" clId="{2A144367-281C-4A46-8256-0D1C6435EBED}" dt="2022-09-09T06:47:09.220" v="91" actId="27803"/>
+          <ac:spMkLst>
+            <pc:docMk/>
+            <pc:sldMk cId="917669912" sldId="256"/>
+            <ac:spMk id="19" creationId="{2F5B8F56-D3AD-CBDD-A683-97DCC3E53DA7}"/>
+          </ac:spMkLst>
+        </pc:spChg>
+        <pc:spChg chg="mod">
+          <ac:chgData name="Scott McKellar" userId="c16324e4c5794a6d" providerId="LiveId" clId="{2A144367-281C-4A46-8256-0D1C6435EBED}" dt="2022-09-09T06:47:09.220" v="91" actId="27803"/>
+          <ac:spMkLst>
+            <pc:docMk/>
+            <pc:sldMk cId="917669912" sldId="256"/>
+            <ac:spMk id="21" creationId="{E7C425AE-1AF0-5AAA-5772-1933AB8C9AC2}"/>
+          </ac:spMkLst>
+        </pc:spChg>
+        <pc:spChg chg="mod">
+          <ac:chgData name="Scott McKellar" userId="c16324e4c5794a6d" providerId="LiveId" clId="{2A144367-281C-4A46-8256-0D1C6435EBED}" dt="2022-09-09T06:47:09.220" v="91" actId="27803"/>
+          <ac:spMkLst>
+            <pc:docMk/>
+            <pc:sldMk cId="917669912" sldId="256"/>
+            <ac:spMk id="22" creationId="{DA922617-1363-F205-CFA5-85A755CC4D8E}"/>
+          </ac:spMkLst>
+        </pc:spChg>
         <pc:spChg chg="mod">
           <ac:chgData name="Scott McKellar" userId="c16324e4c5794a6d" providerId="LiveId" clId="{2A144367-281C-4A46-8256-0D1C6435EBED}" dt="2022-09-09T06:42:57.646" v="57" actId="14100"/>
           <ac:spMkLst>
@@ -169,7 +209,7 @@
           </ac:spMkLst>
         </pc:spChg>
         <pc:spChg chg="mod">
-          <ac:chgData name="Scott McKellar" userId="c16324e4c5794a6d" providerId="LiveId" clId="{2A144367-281C-4A46-8256-0D1C6435EBED}" dt="2022-09-09T06:41:55.400" v="43" actId="20577"/>
+          <ac:chgData name="Scott McKellar" userId="c16324e4c5794a6d" providerId="LiveId" clId="{2A144367-281C-4A46-8256-0D1C6435EBED}" dt="2022-09-09T06:46:54.646" v="86" actId="1076"/>
           <ac:spMkLst>
             <pc:docMk/>
             <pc:sldMk cId="917669912" sldId="256"/>
@@ -185,7 +225,7 @@
           </ac:spMkLst>
         </pc:spChg>
         <pc:spChg chg="mod">
-          <ac:chgData name="Scott McKellar" userId="c16324e4c5794a6d" providerId="LiveId" clId="{2A144367-281C-4A46-8256-0D1C6435EBED}" dt="2022-09-09T03:06:39.067" v="35" actId="207"/>
+          <ac:chgData name="Scott McKellar" userId="c16324e4c5794a6d" providerId="LiveId" clId="{2A144367-281C-4A46-8256-0D1C6435EBED}" dt="2022-09-09T06:46:17.178" v="67" actId="1076"/>
           <ac:spMkLst>
             <pc:docMk/>
             <pc:sldMk cId="917669912" sldId="256"/>
@@ -208,6 +248,22 @@
             <ac:spMk id="85" creationId="{9766512E-FFBD-4AC5-A947-A893696EF487}"/>
           </ac:spMkLst>
         </pc:spChg>
+        <pc:grpChg chg="mod">
+          <ac:chgData name="Scott McKellar" userId="c16324e4c5794a6d" providerId="LiveId" clId="{2A144367-281C-4A46-8256-0D1C6435EBED}" dt="2022-09-09T06:47:21.759" v="92" actId="1076"/>
+          <ac:grpSpMkLst>
+            <pc:docMk/>
+            <pc:sldMk cId="917669912" sldId="256"/>
+            <ac:grpSpMk id="15" creationId="{9CF2CF4B-2EA4-AAB8-6C66-65B8D1A64267}"/>
+          </ac:grpSpMkLst>
+        </pc:grpChg>
+        <pc:picChg chg="add mod">
+          <ac:chgData name="Scott McKellar" userId="c16324e4c5794a6d" providerId="LiveId" clId="{2A144367-281C-4A46-8256-0D1C6435EBED}" dt="2022-09-09T06:46:29.647" v="69" actId="571"/>
+          <ac:picMkLst>
+            <pc:docMk/>
+            <pc:sldMk cId="917669912" sldId="256"/>
+            <ac:picMk id="10" creationId="{2D04921A-028A-45FB-BA4B-26B0DDE8B975}"/>
+          </ac:picMkLst>
+        </pc:picChg>
         <pc:picChg chg="mod">
           <ac:chgData name="Scott McKellar" userId="c16324e4c5794a6d" providerId="LiveId" clId="{2A144367-281C-4A46-8256-0D1C6435EBED}" dt="2022-09-09T06:43:13.991" v="59" actId="1076"/>
           <ac:picMkLst>
@@ -216,8 +272,8 @@
             <ac:picMk id="29" creationId="{4857B092-9434-4197-ABE9-95EC7B7774C4}"/>
           </ac:picMkLst>
         </pc:picChg>
-        <pc:picChg chg="mod">
-          <ac:chgData name="Scott McKellar" userId="c16324e4c5794a6d" providerId="LiveId" clId="{2A144367-281C-4A46-8256-0D1C6435EBED}" dt="2022-09-09T03:05:59.726" v="27" actId="208"/>
+        <pc:picChg chg="del mod">
+          <ac:chgData name="Scott McKellar" userId="c16324e4c5794a6d" providerId="LiveId" clId="{2A144367-281C-4A46-8256-0D1C6435EBED}" dt="2022-09-09T06:47:09.220" v="91" actId="27803"/>
           <ac:picMkLst>
             <pc:docMk/>
             <pc:sldMk cId="917669912" sldId="256"/>
@@ -225,7 +281,7 @@
           </ac:picMkLst>
         </pc:picChg>
         <pc:picChg chg="mod">
-          <ac:chgData name="Scott McKellar" userId="c16324e4c5794a6d" providerId="LiveId" clId="{2A144367-281C-4A46-8256-0D1C6435EBED}" dt="2022-09-09T03:05:59.726" v="27" actId="208"/>
+          <ac:chgData name="Scott McKellar" userId="c16324e4c5794a6d" providerId="LiveId" clId="{2A144367-281C-4A46-8256-0D1C6435EBED}" dt="2022-09-09T06:46:17.178" v="67" actId="1076"/>
           <ac:picMkLst>
             <pc:docMk/>
             <pc:sldMk cId="917669912" sldId="256"/>
@@ -240,6 +296,14 @@
             <ac:picMk id="64" creationId="{040D83DA-0744-49C9-AE14-F295F3066E91}"/>
           </ac:picMkLst>
         </pc:picChg>
+        <pc:cxnChg chg="add mod">
+          <ac:chgData name="Scott McKellar" userId="c16324e4c5794a6d" providerId="LiveId" clId="{2A144367-281C-4A46-8256-0D1C6435EBED}" dt="2022-09-09T06:46:09.381" v="66" actId="1076"/>
+          <ac:cxnSpMkLst>
+            <pc:docMk/>
+            <pc:sldMk cId="917669912" sldId="256"/>
+            <ac:cxnSpMk id="2" creationId="{4ADFBE8A-577C-28EA-339A-0CE54DF1D572}"/>
+          </ac:cxnSpMkLst>
+        </pc:cxnChg>
         <pc:cxnChg chg="add del mod">
           <ac:chgData name="Scott McKellar" userId="c16324e4c5794a6d" providerId="LiveId" clId="{2A144367-281C-4A46-8256-0D1C6435EBED}" dt="2022-09-09T03:03:53.751" v="4" actId="478"/>
           <ac:cxnSpMkLst>
@@ -256,12 +320,20 @@
             <ac:cxnSpMk id="8" creationId="{DF346066-2AA6-3BD3-D3F5-FED2FFD8C25B}"/>
           </ac:cxnSpMkLst>
         </pc:cxnChg>
-        <pc:cxnChg chg="add mod">
-          <ac:chgData name="Scott McKellar" userId="c16324e4c5794a6d" providerId="LiveId" clId="{2A144367-281C-4A46-8256-0D1C6435EBED}" dt="2022-09-09T03:07:00.162" v="40" actId="1076"/>
+        <pc:cxnChg chg="add del mod">
+          <ac:chgData name="Scott McKellar" userId="c16324e4c5794a6d" providerId="LiveId" clId="{2A144367-281C-4A46-8256-0D1C6435EBED}" dt="2022-09-09T06:45:57.418" v="61" actId="478"/>
           <ac:cxnSpMkLst>
             <pc:docMk/>
             <pc:sldMk cId="917669912" sldId="256"/>
             <ac:cxnSpMk id="17" creationId="{21B0A115-D81F-519A-800A-7D4701DCB341}"/>
+          </ac:cxnSpMkLst>
+        </pc:cxnChg>
+        <pc:cxnChg chg="mod">
+          <ac:chgData name="Scott McKellar" userId="c16324e4c5794a6d" providerId="LiveId" clId="{2A144367-281C-4A46-8256-0D1C6435EBED}" dt="2022-09-09T06:46:59.389" v="90" actId="1076"/>
+          <ac:cxnSpMkLst>
+            <pc:docMk/>
+            <pc:sldMk cId="917669912" sldId="256"/>
+            <ac:cxnSpMk id="35" creationId="{9A50B12D-4055-4D70-BBCA-826F441E617D}"/>
           </ac:cxnSpMkLst>
         </pc:cxnChg>
         <pc:cxnChg chg="mod">
@@ -4281,45 +4353,666 @@
           </a:p>
         </p:txBody>
       </p:sp>
-      <p:pic>
-        <p:nvPicPr>
-          <p:cNvPr id="34" name="Graphic 33" descr="Database outline">
-            <a:extLst>
-              <a:ext uri="{FF2B5EF4-FFF2-40B4-BE49-F238E27FC236}">
-                <a16:creationId xmlns:a16="http://schemas.microsoft.com/office/drawing/2014/main" id="{CBA602BA-94F6-46D7-9D46-97276914BA5C}"/>
-              </a:ext>
-            </a:extLst>
-          </p:cNvPr>
-          <p:cNvPicPr>
-            <a:picLocks noChangeAspect="1"/>
-          </p:cNvPicPr>
+      <p:grpSp>
+        <p:nvGrpSpPr>
+          <p:cNvPr id="15" name="Graphic 33" descr="Database outline">
+            <a:extLst>
+              <a:ext uri="{FF2B5EF4-FFF2-40B4-BE49-F238E27FC236}">
+                <a16:creationId xmlns:a16="http://schemas.microsoft.com/office/drawing/2014/main" id="{9CF2CF4B-2EA4-AAB8-6C66-65B8D1A64267}"/>
+              </a:ext>
+            </a:extLst>
+          </p:cNvPr>
+          <p:cNvGrpSpPr/>
           <p:nvPr/>
-        </p:nvPicPr>
-        <p:blipFill>
-          <a:blip r:embed="rId8">
-            <a:extLst>
-              <a:ext uri="{28A0092B-C50C-407E-A947-70E740481C1C}">
-                <a14:useLocalDpi xmlns:a14="http://schemas.microsoft.com/office/drawing/2010/main" val="0"/>
-              </a:ext>
-              <a:ext uri="{96DAC541-7B7A-43D3-8B79-37D633B846F1}">
-                <asvg:svgBlip xmlns:asvg="http://schemas.microsoft.com/office/drawing/2016/SVG/main" r:embed="rId9"/>
-              </a:ext>
-            </a:extLst>
-          </a:blip>
-          <a:stretch>
-            <a:fillRect/>
-          </a:stretch>
-        </p:blipFill>
-        <p:spPr>
+        </p:nvGrpSpPr>
+        <p:grpSpPr>
           <a:xfrm>
-            <a:off x="7772557" y="2840225"/>
-            <a:ext cx="914400" cy="914400"/>
-          </a:xfrm>
-          <a:prstGeom prst="rect">
-            <a:avLst/>
-          </a:prstGeom>
-        </p:spPr>
-      </p:pic>
+            <a:off x="7951826" y="3082547"/>
+            <a:ext cx="552450" cy="742950"/>
+            <a:chOff x="7953532" y="2935475"/>
+            <a:chExt cx="552450" cy="742950"/>
+          </a:xfrm>
+          <a:solidFill>
+            <a:srgbClr val="000000"/>
+          </a:solidFill>
+        </p:grpSpPr>
+        <p:sp>
+          <p:nvSpPr>
+            <p:cNvPr id="18" name="Freeform: Shape 17">
+              <a:extLst>
+                <a:ext uri="{FF2B5EF4-FFF2-40B4-BE49-F238E27FC236}">
+                  <a16:creationId xmlns:a16="http://schemas.microsoft.com/office/drawing/2014/main" id="{010A9625-1D1D-EFC9-0D6A-4E92C3BBCC81}"/>
+                </a:ext>
+              </a:extLst>
+            </p:cNvPr>
+            <p:cNvSpPr/>
+            <p:nvPr/>
+          </p:nvSpPr>
+          <p:spPr>
+            <a:xfrm>
+              <a:off x="7953532" y="2935475"/>
+              <a:ext cx="552450" cy="742950"/>
+            </a:xfrm>
+            <a:custGeom>
+              <a:avLst/>
+              <a:gdLst>
+                <a:gd name="connsiteX0" fmla="*/ 552450 w 552450"/>
+                <a:gd name="connsiteY0" fmla="*/ 657225 h 742950"/>
+                <a:gd name="connsiteX1" fmla="*/ 552450 w 552450"/>
+                <a:gd name="connsiteY1" fmla="*/ 85725 h 742950"/>
+                <a:gd name="connsiteX2" fmla="*/ 276225 w 552450"/>
+                <a:gd name="connsiteY2" fmla="*/ 0 h 742950"/>
+                <a:gd name="connsiteX3" fmla="*/ 0 w 552450"/>
+                <a:gd name="connsiteY3" fmla="*/ 85725 h 742950"/>
+                <a:gd name="connsiteX4" fmla="*/ 0 w 552450"/>
+                <a:gd name="connsiteY4" fmla="*/ 657225 h 742950"/>
+                <a:gd name="connsiteX5" fmla="*/ 276225 w 552450"/>
+                <a:gd name="connsiteY5" fmla="*/ 742950 h 742950"/>
+                <a:gd name="connsiteX6" fmla="*/ 552450 w 552450"/>
+                <a:gd name="connsiteY6" fmla="*/ 657225 h 742950"/>
+                <a:gd name="connsiteX7" fmla="*/ 276225 w 552450"/>
+                <a:gd name="connsiteY7" fmla="*/ 19050 h 742950"/>
+                <a:gd name="connsiteX8" fmla="*/ 533400 w 552450"/>
+                <a:gd name="connsiteY8" fmla="*/ 85725 h 742950"/>
+                <a:gd name="connsiteX9" fmla="*/ 276225 w 552450"/>
+                <a:gd name="connsiteY9" fmla="*/ 152400 h 742950"/>
+                <a:gd name="connsiteX10" fmla="*/ 19050 w 552450"/>
+                <a:gd name="connsiteY10" fmla="*/ 85725 h 742950"/>
+                <a:gd name="connsiteX11" fmla="*/ 276225 w 552450"/>
+                <a:gd name="connsiteY11" fmla="*/ 19050 h 742950"/>
+                <a:gd name="connsiteX12" fmla="*/ 19050 w 552450"/>
+                <a:gd name="connsiteY12" fmla="*/ 118681 h 742950"/>
+                <a:gd name="connsiteX13" fmla="*/ 276225 w 552450"/>
+                <a:gd name="connsiteY13" fmla="*/ 171450 h 742950"/>
+                <a:gd name="connsiteX14" fmla="*/ 533400 w 552450"/>
+                <a:gd name="connsiteY14" fmla="*/ 118681 h 742950"/>
+                <a:gd name="connsiteX15" fmla="*/ 533400 w 552450"/>
+                <a:gd name="connsiteY15" fmla="*/ 276225 h 742950"/>
+                <a:gd name="connsiteX16" fmla="*/ 276225 w 552450"/>
+                <a:gd name="connsiteY16" fmla="*/ 342900 h 742950"/>
+                <a:gd name="connsiteX17" fmla="*/ 19050 w 552450"/>
+                <a:gd name="connsiteY17" fmla="*/ 276225 h 742950"/>
+                <a:gd name="connsiteX18" fmla="*/ 19050 w 552450"/>
+                <a:gd name="connsiteY18" fmla="*/ 309182 h 742950"/>
+                <a:gd name="connsiteX19" fmla="*/ 276225 w 552450"/>
+                <a:gd name="connsiteY19" fmla="*/ 361950 h 742950"/>
+                <a:gd name="connsiteX20" fmla="*/ 533400 w 552450"/>
+                <a:gd name="connsiteY20" fmla="*/ 309182 h 742950"/>
+                <a:gd name="connsiteX21" fmla="*/ 533400 w 552450"/>
+                <a:gd name="connsiteY21" fmla="*/ 466725 h 742950"/>
+                <a:gd name="connsiteX22" fmla="*/ 276225 w 552450"/>
+                <a:gd name="connsiteY22" fmla="*/ 533400 h 742950"/>
+                <a:gd name="connsiteX23" fmla="*/ 19050 w 552450"/>
+                <a:gd name="connsiteY23" fmla="*/ 466725 h 742950"/>
+                <a:gd name="connsiteX24" fmla="*/ 19050 w 552450"/>
+                <a:gd name="connsiteY24" fmla="*/ 657225 h 742950"/>
+                <a:gd name="connsiteX25" fmla="*/ 19050 w 552450"/>
+                <a:gd name="connsiteY25" fmla="*/ 499682 h 742950"/>
+                <a:gd name="connsiteX26" fmla="*/ 276225 w 552450"/>
+                <a:gd name="connsiteY26" fmla="*/ 552450 h 742950"/>
+                <a:gd name="connsiteX27" fmla="*/ 533400 w 552450"/>
+                <a:gd name="connsiteY27" fmla="*/ 499682 h 742950"/>
+                <a:gd name="connsiteX28" fmla="*/ 533400 w 552450"/>
+                <a:gd name="connsiteY28" fmla="*/ 657225 h 742950"/>
+                <a:gd name="connsiteX29" fmla="*/ 276225 w 552450"/>
+                <a:gd name="connsiteY29" fmla="*/ 723900 h 742950"/>
+                <a:gd name="connsiteX30" fmla="*/ 19050 w 552450"/>
+                <a:gd name="connsiteY30" fmla="*/ 657225 h 742950"/>
+              </a:gdLst>
+              <a:ahLst/>
+              <a:cxnLst>
+                <a:cxn ang="0">
+                  <a:pos x="connsiteX0" y="connsiteY0"/>
+                </a:cxn>
+                <a:cxn ang="0">
+                  <a:pos x="connsiteX1" y="connsiteY1"/>
+                </a:cxn>
+                <a:cxn ang="0">
+                  <a:pos x="connsiteX2" y="connsiteY2"/>
+                </a:cxn>
+                <a:cxn ang="0">
+                  <a:pos x="connsiteX3" y="connsiteY3"/>
+                </a:cxn>
+                <a:cxn ang="0">
+                  <a:pos x="connsiteX4" y="connsiteY4"/>
+                </a:cxn>
+                <a:cxn ang="0">
+                  <a:pos x="connsiteX5" y="connsiteY5"/>
+                </a:cxn>
+                <a:cxn ang="0">
+                  <a:pos x="connsiteX6" y="connsiteY6"/>
+                </a:cxn>
+                <a:cxn ang="0">
+                  <a:pos x="connsiteX7" y="connsiteY7"/>
+                </a:cxn>
+                <a:cxn ang="0">
+                  <a:pos x="connsiteX8" y="connsiteY8"/>
+                </a:cxn>
+                <a:cxn ang="0">
+                  <a:pos x="connsiteX9" y="connsiteY9"/>
+                </a:cxn>
+                <a:cxn ang="0">
+                  <a:pos x="connsiteX10" y="connsiteY10"/>
+                </a:cxn>
+                <a:cxn ang="0">
+                  <a:pos x="connsiteX11" y="connsiteY11"/>
+                </a:cxn>
+                <a:cxn ang="0">
+                  <a:pos x="connsiteX12" y="connsiteY12"/>
+                </a:cxn>
+                <a:cxn ang="0">
+                  <a:pos x="connsiteX13" y="connsiteY13"/>
+                </a:cxn>
+                <a:cxn ang="0">
+                  <a:pos x="connsiteX14" y="connsiteY14"/>
+                </a:cxn>
+                <a:cxn ang="0">
+                  <a:pos x="connsiteX15" y="connsiteY15"/>
+                </a:cxn>
+                <a:cxn ang="0">
+                  <a:pos x="connsiteX16" y="connsiteY16"/>
+                </a:cxn>
+                <a:cxn ang="0">
+                  <a:pos x="connsiteX17" y="connsiteY17"/>
+                </a:cxn>
+                <a:cxn ang="0">
+                  <a:pos x="connsiteX18" y="connsiteY18"/>
+                </a:cxn>
+                <a:cxn ang="0">
+                  <a:pos x="connsiteX19" y="connsiteY19"/>
+                </a:cxn>
+                <a:cxn ang="0">
+                  <a:pos x="connsiteX20" y="connsiteY20"/>
+                </a:cxn>
+                <a:cxn ang="0">
+                  <a:pos x="connsiteX21" y="connsiteY21"/>
+                </a:cxn>
+                <a:cxn ang="0">
+                  <a:pos x="connsiteX22" y="connsiteY22"/>
+                </a:cxn>
+                <a:cxn ang="0">
+                  <a:pos x="connsiteX23" y="connsiteY23"/>
+                </a:cxn>
+                <a:cxn ang="0">
+                  <a:pos x="connsiteX24" y="connsiteY24"/>
+                </a:cxn>
+                <a:cxn ang="0">
+                  <a:pos x="connsiteX25" y="connsiteY25"/>
+                </a:cxn>
+                <a:cxn ang="0">
+                  <a:pos x="connsiteX26" y="connsiteY26"/>
+                </a:cxn>
+                <a:cxn ang="0">
+                  <a:pos x="connsiteX27" y="connsiteY27"/>
+                </a:cxn>
+                <a:cxn ang="0">
+                  <a:pos x="connsiteX28" y="connsiteY28"/>
+                </a:cxn>
+                <a:cxn ang="0">
+                  <a:pos x="connsiteX29" y="connsiteY29"/>
+                </a:cxn>
+                <a:cxn ang="0">
+                  <a:pos x="connsiteX30" y="connsiteY30"/>
+                </a:cxn>
+              </a:cxnLst>
+              <a:rect l="l" t="t" r="r" b="b"/>
+              <a:pathLst>
+                <a:path w="552450" h="742950">
+                  <a:moveTo>
+                    <a:pt x="552450" y="657225"/>
+                  </a:moveTo>
+                  <a:lnTo>
+                    <a:pt x="552450" y="85725"/>
+                  </a:lnTo>
+                  <a:cubicBezTo>
+                    <a:pt x="552450" y="30042"/>
+                    <a:pt x="410137" y="0"/>
+                    <a:pt x="276225" y="0"/>
+                  </a:cubicBezTo>
+                  <a:cubicBezTo>
+                    <a:pt x="142313" y="0"/>
+                    <a:pt x="0" y="30042"/>
+                    <a:pt x="0" y="85725"/>
+                  </a:cubicBezTo>
+                  <a:lnTo>
+                    <a:pt x="0" y="657225"/>
+                  </a:lnTo>
+                  <a:cubicBezTo>
+                    <a:pt x="0" y="712908"/>
+                    <a:pt x="142313" y="742950"/>
+                    <a:pt x="276225" y="742950"/>
+                  </a:cubicBezTo>
+                  <a:cubicBezTo>
+                    <a:pt x="410137" y="742950"/>
+                    <a:pt x="552450" y="712908"/>
+                    <a:pt x="552450" y="657225"/>
+                  </a:cubicBezTo>
+                  <a:close/>
+                  <a:moveTo>
+                    <a:pt x="276225" y="19050"/>
+                  </a:moveTo>
+                  <a:cubicBezTo>
+                    <a:pt x="423415" y="19050"/>
+                    <a:pt x="533400" y="54293"/>
+                    <a:pt x="533400" y="85725"/>
+                  </a:cubicBezTo>
+                  <a:cubicBezTo>
+                    <a:pt x="533400" y="117157"/>
+                    <a:pt x="423415" y="152400"/>
+                    <a:pt x="276225" y="152400"/>
+                  </a:cubicBezTo>
+                  <a:cubicBezTo>
+                    <a:pt x="129035" y="152400"/>
+                    <a:pt x="19050" y="117157"/>
+                    <a:pt x="19050" y="85725"/>
+                  </a:cubicBezTo>
+                  <a:cubicBezTo>
+                    <a:pt x="19050" y="54293"/>
+                    <a:pt x="129035" y="19050"/>
+                    <a:pt x="276225" y="19050"/>
+                  </a:cubicBezTo>
+                  <a:close/>
+                  <a:moveTo>
+                    <a:pt x="19050" y="118681"/>
+                  </a:moveTo>
+                  <a:cubicBezTo>
+                    <a:pt x="62189" y="153162"/>
+                    <a:pt x="171764" y="171450"/>
+                    <a:pt x="276225" y="171450"/>
+                  </a:cubicBezTo>
+                  <a:cubicBezTo>
+                    <a:pt x="380686" y="171450"/>
+                    <a:pt x="490261" y="153162"/>
+                    <a:pt x="533400" y="118681"/>
+                  </a:cubicBezTo>
+                  <a:lnTo>
+                    <a:pt x="533400" y="276225"/>
+                  </a:lnTo>
+                  <a:cubicBezTo>
+                    <a:pt x="533400" y="307658"/>
+                    <a:pt x="423415" y="342900"/>
+                    <a:pt x="276225" y="342900"/>
+                  </a:cubicBezTo>
+                  <a:cubicBezTo>
+                    <a:pt x="129035" y="342900"/>
+                    <a:pt x="19050" y="307658"/>
+                    <a:pt x="19050" y="276225"/>
+                  </a:cubicBezTo>
+                  <a:close/>
+                  <a:moveTo>
+                    <a:pt x="19050" y="309182"/>
+                  </a:moveTo>
+                  <a:cubicBezTo>
+                    <a:pt x="62189" y="343662"/>
+                    <a:pt x="171764" y="361950"/>
+                    <a:pt x="276225" y="361950"/>
+                  </a:cubicBezTo>
+                  <a:cubicBezTo>
+                    <a:pt x="380686" y="361950"/>
+                    <a:pt x="490261" y="343662"/>
+                    <a:pt x="533400" y="309182"/>
+                  </a:cubicBezTo>
+                  <a:lnTo>
+                    <a:pt x="533400" y="466725"/>
+                  </a:lnTo>
+                  <a:cubicBezTo>
+                    <a:pt x="533400" y="498158"/>
+                    <a:pt x="423415" y="533400"/>
+                    <a:pt x="276225" y="533400"/>
+                  </a:cubicBezTo>
+                  <a:cubicBezTo>
+                    <a:pt x="129035" y="533400"/>
+                    <a:pt x="19050" y="498158"/>
+                    <a:pt x="19050" y="466725"/>
+                  </a:cubicBezTo>
+                  <a:close/>
+                  <a:moveTo>
+                    <a:pt x="19050" y="657225"/>
+                  </a:moveTo>
+                  <a:lnTo>
+                    <a:pt x="19050" y="499682"/>
+                  </a:lnTo>
+                  <a:cubicBezTo>
+                    <a:pt x="62189" y="534162"/>
+                    <a:pt x="171764" y="552450"/>
+                    <a:pt x="276225" y="552450"/>
+                  </a:cubicBezTo>
+                  <a:cubicBezTo>
+                    <a:pt x="380686" y="552450"/>
+                    <a:pt x="490261" y="534162"/>
+                    <a:pt x="533400" y="499682"/>
+                  </a:cubicBezTo>
+                  <a:lnTo>
+                    <a:pt x="533400" y="657225"/>
+                  </a:lnTo>
+                  <a:cubicBezTo>
+                    <a:pt x="533400" y="688658"/>
+                    <a:pt x="423415" y="723900"/>
+                    <a:pt x="276225" y="723900"/>
+                  </a:cubicBezTo>
+                  <a:cubicBezTo>
+                    <a:pt x="129035" y="723900"/>
+                    <a:pt x="19050" y="688658"/>
+                    <a:pt x="19050" y="657225"/>
+                  </a:cubicBezTo>
+                  <a:close/>
+                </a:path>
+              </a:pathLst>
+            </a:custGeom>
+            <a:solidFill>
+              <a:srgbClr val="000000"/>
+            </a:solidFill>
+            <a:ln w="9525" cap="flat">
+              <a:solidFill>
+                <a:srgbClr val="002060"/>
+              </a:solidFill>
+              <a:prstDash val="solid"/>
+              <a:miter/>
+            </a:ln>
+          </p:spPr>
+          <p:txBody>
+            <a:bodyPr rtlCol="0" anchor="ctr"/>
+            <a:lstStyle/>
+            <a:p>
+              <a:endParaRPr lang="en-AU"/>
+            </a:p>
+          </p:txBody>
+        </p:sp>
+        <p:sp>
+          <p:nvSpPr>
+            <p:cNvPr id="19" name="Freeform: Shape 18">
+              <a:extLst>
+                <a:ext uri="{FF2B5EF4-FFF2-40B4-BE49-F238E27FC236}">
+                  <a16:creationId xmlns:a16="http://schemas.microsoft.com/office/drawing/2014/main" id="{2F5B8F56-D3AD-CBDD-A683-97DCC3E53DA7}"/>
+                </a:ext>
+              </a:extLst>
+            </p:cNvPr>
+            <p:cNvSpPr/>
+            <p:nvPr/>
+          </p:nvSpPr>
+          <p:spPr>
+            <a:xfrm>
+              <a:off x="8401207" y="3164075"/>
+              <a:ext cx="38100" cy="38100"/>
+            </a:xfrm>
+            <a:custGeom>
+              <a:avLst/>
+              <a:gdLst>
+                <a:gd name="connsiteX0" fmla="*/ 38100 w 38100"/>
+                <a:gd name="connsiteY0" fmla="*/ 19050 h 38100"/>
+                <a:gd name="connsiteX1" fmla="*/ 19050 w 38100"/>
+                <a:gd name="connsiteY1" fmla="*/ 38100 h 38100"/>
+                <a:gd name="connsiteX2" fmla="*/ 0 w 38100"/>
+                <a:gd name="connsiteY2" fmla="*/ 19050 h 38100"/>
+                <a:gd name="connsiteX3" fmla="*/ 19050 w 38100"/>
+                <a:gd name="connsiteY3" fmla="*/ 0 h 38100"/>
+                <a:gd name="connsiteX4" fmla="*/ 38100 w 38100"/>
+                <a:gd name="connsiteY4" fmla="*/ 19050 h 38100"/>
+              </a:gdLst>
+              <a:ahLst/>
+              <a:cxnLst>
+                <a:cxn ang="0">
+                  <a:pos x="connsiteX0" y="connsiteY0"/>
+                </a:cxn>
+                <a:cxn ang="0">
+                  <a:pos x="connsiteX1" y="connsiteY1"/>
+                </a:cxn>
+                <a:cxn ang="0">
+                  <a:pos x="connsiteX2" y="connsiteY2"/>
+                </a:cxn>
+                <a:cxn ang="0">
+                  <a:pos x="connsiteX3" y="connsiteY3"/>
+                </a:cxn>
+                <a:cxn ang="0">
+                  <a:pos x="connsiteX4" y="connsiteY4"/>
+                </a:cxn>
+              </a:cxnLst>
+              <a:rect l="l" t="t" r="r" b="b"/>
+              <a:pathLst>
+                <a:path w="38100" h="38100">
+                  <a:moveTo>
+                    <a:pt x="38100" y="19050"/>
+                  </a:moveTo>
+                  <a:cubicBezTo>
+                    <a:pt x="38100" y="29571"/>
+                    <a:pt x="29571" y="38100"/>
+                    <a:pt x="19050" y="38100"/>
+                  </a:cubicBezTo>
+                  <a:cubicBezTo>
+                    <a:pt x="8529" y="38100"/>
+                    <a:pt x="0" y="29571"/>
+                    <a:pt x="0" y="19050"/>
+                  </a:cubicBezTo>
+                  <a:cubicBezTo>
+                    <a:pt x="0" y="8529"/>
+                    <a:pt x="8529" y="0"/>
+                    <a:pt x="19050" y="0"/>
+                  </a:cubicBezTo>
+                  <a:cubicBezTo>
+                    <a:pt x="29571" y="0"/>
+                    <a:pt x="38100" y="8529"/>
+                    <a:pt x="38100" y="19050"/>
+                  </a:cubicBezTo>
+                  <a:close/>
+                </a:path>
+              </a:pathLst>
+            </a:custGeom>
+            <a:solidFill>
+              <a:srgbClr val="000000"/>
+            </a:solidFill>
+            <a:ln w="9525" cap="flat">
+              <a:solidFill>
+                <a:srgbClr val="002060"/>
+              </a:solidFill>
+              <a:prstDash val="solid"/>
+              <a:miter/>
+            </a:ln>
+          </p:spPr>
+          <p:txBody>
+            <a:bodyPr rtlCol="0" anchor="ctr"/>
+            <a:lstStyle/>
+            <a:p>
+              <a:endParaRPr lang="en-AU"/>
+            </a:p>
+          </p:txBody>
+        </p:sp>
+        <p:sp>
+          <p:nvSpPr>
+            <p:cNvPr id="21" name="Freeform: Shape 20">
+              <a:extLst>
+                <a:ext uri="{FF2B5EF4-FFF2-40B4-BE49-F238E27FC236}">
+                  <a16:creationId xmlns:a16="http://schemas.microsoft.com/office/drawing/2014/main" id="{E7C425AE-1AF0-5AAA-5772-1933AB8C9AC2}"/>
+                </a:ext>
+              </a:extLst>
+            </p:cNvPr>
+            <p:cNvSpPr/>
+            <p:nvPr/>
+          </p:nvSpPr>
+          <p:spPr>
+            <a:xfrm>
+              <a:off x="8401207" y="3354575"/>
+              <a:ext cx="38100" cy="38100"/>
+            </a:xfrm>
+            <a:custGeom>
+              <a:avLst/>
+              <a:gdLst>
+                <a:gd name="connsiteX0" fmla="*/ 38100 w 38100"/>
+                <a:gd name="connsiteY0" fmla="*/ 19050 h 38100"/>
+                <a:gd name="connsiteX1" fmla="*/ 19050 w 38100"/>
+                <a:gd name="connsiteY1" fmla="*/ 38100 h 38100"/>
+                <a:gd name="connsiteX2" fmla="*/ 0 w 38100"/>
+                <a:gd name="connsiteY2" fmla="*/ 19050 h 38100"/>
+                <a:gd name="connsiteX3" fmla="*/ 19050 w 38100"/>
+                <a:gd name="connsiteY3" fmla="*/ 0 h 38100"/>
+                <a:gd name="connsiteX4" fmla="*/ 38100 w 38100"/>
+                <a:gd name="connsiteY4" fmla="*/ 19050 h 38100"/>
+              </a:gdLst>
+              <a:ahLst/>
+              <a:cxnLst>
+                <a:cxn ang="0">
+                  <a:pos x="connsiteX0" y="connsiteY0"/>
+                </a:cxn>
+                <a:cxn ang="0">
+                  <a:pos x="connsiteX1" y="connsiteY1"/>
+                </a:cxn>
+                <a:cxn ang="0">
+                  <a:pos x="connsiteX2" y="connsiteY2"/>
+                </a:cxn>
+                <a:cxn ang="0">
+                  <a:pos x="connsiteX3" y="connsiteY3"/>
+                </a:cxn>
+                <a:cxn ang="0">
+                  <a:pos x="connsiteX4" y="connsiteY4"/>
+                </a:cxn>
+              </a:cxnLst>
+              <a:rect l="l" t="t" r="r" b="b"/>
+              <a:pathLst>
+                <a:path w="38100" h="38100">
+                  <a:moveTo>
+                    <a:pt x="38100" y="19050"/>
+                  </a:moveTo>
+                  <a:cubicBezTo>
+                    <a:pt x="38100" y="29571"/>
+                    <a:pt x="29571" y="38100"/>
+                    <a:pt x="19050" y="38100"/>
+                  </a:cubicBezTo>
+                  <a:cubicBezTo>
+                    <a:pt x="8529" y="38100"/>
+                    <a:pt x="0" y="29571"/>
+                    <a:pt x="0" y="19050"/>
+                  </a:cubicBezTo>
+                  <a:cubicBezTo>
+                    <a:pt x="0" y="8529"/>
+                    <a:pt x="8529" y="0"/>
+                    <a:pt x="19050" y="0"/>
+                  </a:cubicBezTo>
+                  <a:cubicBezTo>
+                    <a:pt x="29571" y="0"/>
+                    <a:pt x="38100" y="8529"/>
+                    <a:pt x="38100" y="19050"/>
+                  </a:cubicBezTo>
+                  <a:close/>
+                </a:path>
+              </a:pathLst>
+            </a:custGeom>
+            <a:solidFill>
+              <a:srgbClr val="000000"/>
+            </a:solidFill>
+            <a:ln w="9525" cap="flat">
+              <a:solidFill>
+                <a:srgbClr val="002060"/>
+              </a:solidFill>
+              <a:prstDash val="solid"/>
+              <a:miter/>
+            </a:ln>
+          </p:spPr>
+          <p:txBody>
+            <a:bodyPr rtlCol="0" anchor="ctr"/>
+            <a:lstStyle/>
+            <a:p>
+              <a:endParaRPr lang="en-AU"/>
+            </a:p>
+          </p:txBody>
+        </p:sp>
+        <p:sp>
+          <p:nvSpPr>
+            <p:cNvPr id="22" name="Freeform: Shape 21">
+              <a:extLst>
+                <a:ext uri="{FF2B5EF4-FFF2-40B4-BE49-F238E27FC236}">
+                  <a16:creationId xmlns:a16="http://schemas.microsoft.com/office/drawing/2014/main" id="{DA922617-1363-F205-CFA5-85A755CC4D8E}"/>
+                </a:ext>
+              </a:extLst>
+            </p:cNvPr>
+            <p:cNvSpPr/>
+            <p:nvPr/>
+          </p:nvSpPr>
+          <p:spPr>
+            <a:xfrm>
+              <a:off x="8401207" y="3545075"/>
+              <a:ext cx="38100" cy="38100"/>
+            </a:xfrm>
+            <a:custGeom>
+              <a:avLst/>
+              <a:gdLst>
+                <a:gd name="connsiteX0" fmla="*/ 38100 w 38100"/>
+                <a:gd name="connsiteY0" fmla="*/ 19050 h 38100"/>
+                <a:gd name="connsiteX1" fmla="*/ 19050 w 38100"/>
+                <a:gd name="connsiteY1" fmla="*/ 38100 h 38100"/>
+                <a:gd name="connsiteX2" fmla="*/ 0 w 38100"/>
+                <a:gd name="connsiteY2" fmla="*/ 19050 h 38100"/>
+                <a:gd name="connsiteX3" fmla="*/ 19050 w 38100"/>
+                <a:gd name="connsiteY3" fmla="*/ 0 h 38100"/>
+                <a:gd name="connsiteX4" fmla="*/ 38100 w 38100"/>
+                <a:gd name="connsiteY4" fmla="*/ 19050 h 38100"/>
+              </a:gdLst>
+              <a:ahLst/>
+              <a:cxnLst>
+                <a:cxn ang="0">
+                  <a:pos x="connsiteX0" y="connsiteY0"/>
+                </a:cxn>
+                <a:cxn ang="0">
+                  <a:pos x="connsiteX1" y="connsiteY1"/>
+                </a:cxn>
+                <a:cxn ang="0">
+                  <a:pos x="connsiteX2" y="connsiteY2"/>
+                </a:cxn>
+                <a:cxn ang="0">
+                  <a:pos x="connsiteX3" y="connsiteY3"/>
+                </a:cxn>
+                <a:cxn ang="0">
+                  <a:pos x="connsiteX4" y="connsiteY4"/>
+                </a:cxn>
+              </a:cxnLst>
+              <a:rect l="l" t="t" r="r" b="b"/>
+              <a:pathLst>
+                <a:path w="38100" h="38100">
+                  <a:moveTo>
+                    <a:pt x="38100" y="19050"/>
+                  </a:moveTo>
+                  <a:cubicBezTo>
+                    <a:pt x="38100" y="29571"/>
+                    <a:pt x="29571" y="38100"/>
+                    <a:pt x="19050" y="38100"/>
+                  </a:cubicBezTo>
+                  <a:cubicBezTo>
+                    <a:pt x="8529" y="38100"/>
+                    <a:pt x="0" y="29571"/>
+                    <a:pt x="0" y="19050"/>
+                  </a:cubicBezTo>
+                  <a:cubicBezTo>
+                    <a:pt x="0" y="8529"/>
+                    <a:pt x="8529" y="0"/>
+                    <a:pt x="19050" y="0"/>
+                  </a:cubicBezTo>
+                  <a:cubicBezTo>
+                    <a:pt x="29571" y="0"/>
+                    <a:pt x="38100" y="8529"/>
+                    <a:pt x="38100" y="19050"/>
+                  </a:cubicBezTo>
+                  <a:close/>
+                </a:path>
+              </a:pathLst>
+            </a:custGeom>
+            <a:solidFill>
+              <a:srgbClr val="000000"/>
+            </a:solidFill>
+            <a:ln w="9525" cap="flat">
+              <a:solidFill>
+                <a:srgbClr val="002060"/>
+              </a:solidFill>
+              <a:prstDash val="solid"/>
+              <a:miter/>
+            </a:ln>
+          </p:spPr>
+          <p:txBody>
+            <a:bodyPr rtlCol="0" anchor="ctr"/>
+            <a:lstStyle/>
+            <a:p>
+              <a:endParaRPr lang="en-AU"/>
+            </a:p>
+          </p:txBody>
+        </p:sp>
+      </p:grpSp>
       <p:cxnSp>
         <p:nvCxnSpPr>
           <p:cNvPr id="35" name="Straight Arrow Connector 34">
@@ -4331,7 +5024,6 @@
           </p:cNvPr>
           <p:cNvCxnSpPr>
             <a:cxnSpLocks/>
-            <a:endCxn id="34" idx="1"/>
           </p:cNvCxnSpPr>
           <p:nvPr/>
         </p:nvCxnSpPr>
@@ -4476,7 +5168,7 @@
         </p:nvSpPr>
         <p:spPr>
           <a:xfrm>
-            <a:off x="7818968" y="3663851"/>
+            <a:off x="7772557" y="3825497"/>
             <a:ext cx="1313626" cy="369332"/>
           </a:xfrm>
           <a:prstGeom prst="rect">
@@ -4494,7 +5186,7 @@
           <a:lstStyle/>
           <a:p>
             <a:r>
-              <a:rPr lang="en-AU" b="1" dirty="0" err="1">
+              <a:rPr lang="en-AU" b="1" dirty="0">
                 <a:solidFill>
                   <a:srgbClr val="002060"/>
                 </a:solidFill>
@@ -4762,6 +5454,112 @@
             <a:extLst>
               <a:ext uri="{FF2B5EF4-FFF2-40B4-BE49-F238E27FC236}">
                 <a16:creationId xmlns:a16="http://schemas.microsoft.com/office/drawing/2014/main" id="{DB329283-DC47-42BA-947F-A8BD0E95EB24}"/>
+              </a:ext>
+            </a:extLst>
+          </p:cNvPr>
+          <p:cNvPicPr>
+            <a:picLocks noChangeAspect="1"/>
+          </p:cNvPicPr>
+          <p:nvPr/>
+        </p:nvPicPr>
+        <p:blipFill>
+          <a:blip r:embed="rId8">
+            <a:extLst>
+              <a:ext uri="{28A0092B-C50C-407E-A947-70E740481C1C}">
+                <a14:useLocalDpi xmlns:a14="http://schemas.microsoft.com/office/drawing/2010/main" val="0"/>
+              </a:ext>
+              <a:ext uri="{96DAC541-7B7A-43D3-8B79-37D633B846F1}">
+                <asvg:svgBlip xmlns:asvg="http://schemas.microsoft.com/office/drawing/2016/SVG/main" r:embed="rId9"/>
+              </a:ext>
+            </a:extLst>
+          </a:blip>
+          <a:stretch>
+            <a:fillRect/>
+          </a:stretch>
+        </p:blipFill>
+        <p:spPr>
+          <a:xfrm>
+            <a:off x="9347126" y="4652469"/>
+            <a:ext cx="914400" cy="914400"/>
+          </a:xfrm>
+          <a:prstGeom prst="rect">
+            <a:avLst/>
+          </a:prstGeom>
+        </p:spPr>
+      </p:pic>
+      <p:sp>
+        <p:nvSpPr>
+          <p:cNvPr id="62" name="TextBox 61">
+            <a:extLst>
+              <a:ext uri="{FF2B5EF4-FFF2-40B4-BE49-F238E27FC236}">
+                <a16:creationId xmlns:a16="http://schemas.microsoft.com/office/drawing/2014/main" id="{CBCFDA65-5E2C-4AC8-B061-F21018D8286E}"/>
+              </a:ext>
+            </a:extLst>
+          </p:cNvPr>
+          <p:cNvSpPr txBox="1"/>
+          <p:nvPr/>
+        </p:nvSpPr>
+        <p:spPr>
+          <a:xfrm>
+            <a:off x="6047777" y="5194448"/>
+            <a:ext cx="2521671" cy="830997"/>
+          </a:xfrm>
+          <a:prstGeom prst="rect">
+            <a:avLst/>
+          </a:prstGeom>
+          <a:noFill/>
+        </p:spPr>
+        <p:txBody>
+          <a:bodyPr wrap="square" rtlCol="0">
+            <a:spAutoFit/>
+          </a:bodyPr>
+          <a:lstStyle/>
+          <a:p>
+            <a:pPr algn="ctr"/>
+            <a:r>
+              <a:rPr lang="en-AU" sz="1600" b="1" dirty="0">
+                <a:solidFill>
+                  <a:srgbClr val="002060"/>
+                </a:solidFill>
+              </a:rPr>
+              <a:t>Expurgate</a:t>
+            </a:r>
+          </a:p>
+          <a:p>
+            <a:pPr algn="ctr"/>
+            <a:r>
+              <a:rPr lang="en-AU" sz="1600" b="1" dirty="0">
+                <a:solidFill>
+                  <a:srgbClr val="002060"/>
+                </a:solidFill>
+              </a:rPr>
+              <a:t>Resolver</a:t>
+            </a:r>
+          </a:p>
+          <a:p>
+            <a:pPr algn="ctr"/>
+            <a:r>
+              <a:rPr lang="en-AU" sz="1600" dirty="0">
+                <a:solidFill>
+                  <a:srgbClr val="002060"/>
+                </a:solidFill>
+              </a:rPr>
+              <a:t>(runs every X seconds)</a:t>
+            </a:r>
+            <a:endParaRPr lang="en-US" sz="1600" dirty="0">
+              <a:solidFill>
+                <a:srgbClr val="002060"/>
+              </a:solidFill>
+            </a:endParaRPr>
+          </a:p>
+        </p:txBody>
+      </p:sp>
+      <p:pic>
+        <p:nvPicPr>
+          <p:cNvPr id="64" name="Graphic 63" descr="Refresh with solid fill">
+            <a:extLst>
+              <a:ext uri="{FF2B5EF4-FFF2-40B4-BE49-F238E27FC236}">
+                <a16:creationId xmlns:a16="http://schemas.microsoft.com/office/drawing/2014/main" id="{040D83DA-0744-49C9-AE14-F295F3066E91}"/>
               </a:ext>
             </a:extLst>
           </p:cNvPr>
@@ -4778,112 +5576,6 @@
               </a:ext>
               <a:ext uri="{96DAC541-7B7A-43D3-8B79-37D633B846F1}">
                 <asvg:svgBlip xmlns:asvg="http://schemas.microsoft.com/office/drawing/2016/SVG/main" r:embed="rId11"/>
-              </a:ext>
-            </a:extLst>
-          </a:blip>
-          <a:stretch>
-            <a:fillRect/>
-          </a:stretch>
-        </p:blipFill>
-        <p:spPr>
-          <a:xfrm>
-            <a:off x="9206945" y="4565390"/>
-            <a:ext cx="914400" cy="914400"/>
-          </a:xfrm>
-          <a:prstGeom prst="rect">
-            <a:avLst/>
-          </a:prstGeom>
-        </p:spPr>
-      </p:pic>
-      <p:sp>
-        <p:nvSpPr>
-          <p:cNvPr id="62" name="TextBox 61">
-            <a:extLst>
-              <a:ext uri="{FF2B5EF4-FFF2-40B4-BE49-F238E27FC236}">
-                <a16:creationId xmlns:a16="http://schemas.microsoft.com/office/drawing/2014/main" id="{CBCFDA65-5E2C-4AC8-B061-F21018D8286E}"/>
-              </a:ext>
-            </a:extLst>
-          </p:cNvPr>
-          <p:cNvSpPr txBox="1"/>
-          <p:nvPr/>
-        </p:nvSpPr>
-        <p:spPr>
-          <a:xfrm>
-            <a:off x="6047777" y="5194448"/>
-            <a:ext cx="2521671" cy="830997"/>
-          </a:xfrm>
-          <a:prstGeom prst="rect">
-            <a:avLst/>
-          </a:prstGeom>
-          <a:noFill/>
-        </p:spPr>
-        <p:txBody>
-          <a:bodyPr wrap="square" rtlCol="0">
-            <a:spAutoFit/>
-          </a:bodyPr>
-          <a:lstStyle/>
-          <a:p>
-            <a:pPr algn="ctr"/>
-            <a:r>
-              <a:rPr lang="en-AU" sz="1600" b="1" dirty="0">
-                <a:solidFill>
-                  <a:srgbClr val="002060"/>
-                </a:solidFill>
-              </a:rPr>
-              <a:t>Expurgate</a:t>
-            </a:r>
-          </a:p>
-          <a:p>
-            <a:pPr algn="ctr"/>
-            <a:r>
-              <a:rPr lang="en-AU" sz="1600" b="1" dirty="0">
-                <a:solidFill>
-                  <a:srgbClr val="002060"/>
-                </a:solidFill>
-              </a:rPr>
-              <a:t>Resolver</a:t>
-            </a:r>
-          </a:p>
-          <a:p>
-            <a:pPr algn="ctr"/>
-            <a:r>
-              <a:rPr lang="en-AU" sz="1600" dirty="0">
-                <a:solidFill>
-                  <a:srgbClr val="002060"/>
-                </a:solidFill>
-              </a:rPr>
-              <a:t>(runs every X seconds)</a:t>
-            </a:r>
-            <a:endParaRPr lang="en-US" sz="1600" dirty="0">
-              <a:solidFill>
-                <a:srgbClr val="002060"/>
-              </a:solidFill>
-            </a:endParaRPr>
-          </a:p>
-        </p:txBody>
-      </p:sp>
-      <p:pic>
-        <p:nvPicPr>
-          <p:cNvPr id="64" name="Graphic 63" descr="Refresh with solid fill">
-            <a:extLst>
-              <a:ext uri="{FF2B5EF4-FFF2-40B4-BE49-F238E27FC236}">
-                <a16:creationId xmlns:a16="http://schemas.microsoft.com/office/drawing/2014/main" id="{040D83DA-0744-49C9-AE14-F295F3066E91}"/>
-              </a:ext>
-            </a:extLst>
-          </p:cNvPr>
-          <p:cNvPicPr>
-            <a:picLocks noChangeAspect="1"/>
-          </p:cNvPicPr>
-          <p:nvPr/>
-        </p:nvPicPr>
-        <p:blipFill>
-          <a:blip r:embed="rId12">
-            <a:extLst>
-              <a:ext uri="{28A0092B-C50C-407E-A947-70E740481C1C}">
-                <a14:useLocalDpi xmlns:a14="http://schemas.microsoft.com/office/drawing/2010/main" val="0"/>
-              </a:ext>
-              <a:ext uri="{96DAC541-7B7A-43D3-8B79-37D633B846F1}">
-                <asvg:svgBlip xmlns:asvg="http://schemas.microsoft.com/office/drawing/2016/SVG/main" r:embed="rId13"/>
               </a:ext>
             </a:extLst>
           </a:blip>
@@ -4915,7 +5607,7 @@
         </p:nvSpPr>
         <p:spPr>
           <a:xfrm>
-            <a:off x="8842026" y="5401066"/>
+            <a:off x="8982207" y="5488145"/>
             <a:ext cx="2376106" cy="338554"/>
           </a:xfrm>
           <a:prstGeom prst="rect">
@@ -5305,7 +5997,7 @@
           <p:nvPr/>
         </p:nvPicPr>
         <p:blipFill>
-          <a:blip r:embed="rId14">
+          <a:blip r:embed="rId12">
             <a:extLst>
               <a:ext uri="{28A0092B-C50C-407E-A947-70E740481C1C}">
                 <a14:useLocalDpi xmlns:a14="http://schemas.microsoft.com/office/drawing/2010/main" val="0"/>
@@ -5339,10 +6031,10 @@
       </p:pic>
       <p:cxnSp>
         <p:nvCxnSpPr>
-          <p:cNvPr id="17" name="Straight Arrow Connector 16">
-            <a:extLst>
-              <a:ext uri="{FF2B5EF4-FFF2-40B4-BE49-F238E27FC236}">
-                <a16:creationId xmlns:a16="http://schemas.microsoft.com/office/drawing/2014/main" id="{21B0A115-D81F-519A-800A-7D4701DCB341}"/>
+          <p:cNvPr id="2" name="Straight Arrow Connector 1">
+            <a:extLst>
+              <a:ext uri="{FF2B5EF4-FFF2-40B4-BE49-F238E27FC236}">
+                <a16:creationId xmlns:a16="http://schemas.microsoft.com/office/drawing/2014/main" id="{4ADFBE8A-577C-28EA-339A-0CE54DF1D572}"/>
               </a:ext>
             </a:extLst>
           </p:cNvPr>
@@ -5352,9 +6044,9 @@
           <p:nvPr/>
         </p:nvCxnSpPr>
         <p:spPr>
-          <a:xfrm flipH="1" flipV="1">
-            <a:off x="8633349" y="4082662"/>
-            <a:ext cx="691053" cy="421835"/>
+          <a:xfrm>
+            <a:off x="8665591" y="4041754"/>
+            <a:ext cx="798347" cy="468422"/>
           </a:xfrm>
           <a:prstGeom prst="straightConnector1">
             <a:avLst/>
@@ -5364,8 +6056,7 @@
               <a:srgbClr val="002060"/>
             </a:solidFill>
             <a:prstDash val="sysDash"/>
-            <a:headEnd type="triangle" w="med" len="med"/>
-            <a:tailEnd type="triangle" w="med" len="med"/>
+            <a:tailEnd type="triangle"/>
           </a:ln>
         </p:spPr>
         <p:style>
